--- a/docs/業務用IT_プレゼン.pptx
+++ b/docs/業務用IT_プレゼン.pptx
@@ -5,20 +5,19 @@
     <p:sldMasterId id="2147483648" r:id="rId4"/>
   </p:sldMasterIdLst>
   <p:notesMasterIdLst>
-    <p:notesMasterId r:id="rId16"/>
+    <p:notesMasterId r:id="rId15"/>
   </p:notesMasterIdLst>
   <p:sldIdLst>
     <p:sldId id="256" r:id="rId5"/>
-    <p:sldId id="257" r:id="rId6"/>
-    <p:sldId id="258" r:id="rId7"/>
-    <p:sldId id="259" r:id="rId8"/>
-    <p:sldId id="260" r:id="rId9"/>
-    <p:sldId id="261" r:id="rId10"/>
-    <p:sldId id="267" r:id="rId11"/>
-    <p:sldId id="262" r:id="rId12"/>
-    <p:sldId id="263" r:id="rId13"/>
-    <p:sldId id="264" r:id="rId14"/>
-    <p:sldId id="266" r:id="rId15"/>
+    <p:sldId id="258" r:id="rId6"/>
+    <p:sldId id="259" r:id="rId7"/>
+    <p:sldId id="260" r:id="rId8"/>
+    <p:sldId id="261" r:id="rId9"/>
+    <p:sldId id="267" r:id="rId10"/>
+    <p:sldId id="262" r:id="rId11"/>
+    <p:sldId id="263" r:id="rId12"/>
+    <p:sldId id="264" r:id="rId13"/>
+    <p:sldId id="266" r:id="rId14"/>
   </p:sldIdLst>
   <p:sldSz cx="12192000" cy="6858000"/>
   <p:notesSz cx="6858000" cy="9144000"/>
@@ -139,7 +138,7 @@
           <inkml:channelProperty channel="Y" name="resolution" value="1000" units="1/cm"/>
         </inkml:channelProperties>
       </inkml:inkSource>
-      <inkml:timestamp xml:id="ts0" timeString="2025-07-26T01:53:20.426"/>
+      <inkml:timestamp xml:id="ts0" timeString="2025-07-31T00:12:42.838"/>
     </inkml:context>
     <inkml:brush xml:id="br0">
       <inkml:brushProperty name="width" value="0.2" units="cm"/>
@@ -148,7 +147,115 @@
       <inkml:brushProperty name="ignorePressure" value="1"/>
     </inkml:brush>
   </inkml:definitions>
-  <inkml:trace contextRef="#ctx0" brushRef="#br0">1 0,'16351'0,"-16253"0</inkml:trace>
+  <inkml:trace contextRef="#ctx0" brushRef="#br0">1 0,'21536'0,"-21407"0</inkml:trace>
+</inkml:ink>
+</file>
+
+<file path=ppt/ink/ink2.xml><?xml version="1.0" encoding="utf-8"?>
+<inkml:ink xmlns:inkml="http://www.w3.org/2003/InkML">
+  <inkml:definitions>
+    <inkml:context xml:id="ctx0">
+      <inkml:inkSource xml:id="inkSrc0">
+        <inkml:traceFormat>
+          <inkml:channel name="X" type="integer" min="-2.14748E9" max="2.14748E9" units="cm"/>
+          <inkml:channel name="Y" type="integer" min="-2.14748E9" max="2.14748E9" units="cm"/>
+        </inkml:traceFormat>
+        <inkml:channelProperties>
+          <inkml:channelProperty channel="X" name="resolution" value="1000" units="1/cm"/>
+          <inkml:channelProperty channel="Y" name="resolution" value="1000" units="1/cm"/>
+        </inkml:channelProperties>
+      </inkml:inkSource>
+      <inkml:timestamp xml:id="ts0" timeString="2025-07-31T00:12:49.621"/>
+    </inkml:context>
+    <inkml:brush xml:id="br0">
+      <inkml:brushProperty name="width" value="0.2" units="cm"/>
+      <inkml:brushProperty name="height" value="0.2" units="cm"/>
+      <inkml:brushProperty name="color" value="#E71224"/>
+      <inkml:brushProperty name="ignorePressure" value="1"/>
+    </inkml:brush>
+  </inkml:definitions>
+  <inkml:trace contextRef="#ctx0" brushRef="#br0">1 0,'23911'0,"-23768"0</inkml:trace>
+</inkml:ink>
+</file>
+
+<file path=ppt/ink/ink3.xml><?xml version="1.0" encoding="utf-8"?>
+<inkml:ink xmlns:inkml="http://www.w3.org/2003/InkML">
+  <inkml:definitions>
+    <inkml:context xml:id="ctx0">
+      <inkml:inkSource xml:id="inkSrc0">
+        <inkml:traceFormat>
+          <inkml:channel name="X" type="integer" min="-2.14748E9" max="2.14748E9" units="cm"/>
+          <inkml:channel name="Y" type="integer" min="-2.14748E9" max="2.14748E9" units="cm"/>
+        </inkml:traceFormat>
+        <inkml:channelProperties>
+          <inkml:channelProperty channel="X" name="resolution" value="1000" units="1/cm"/>
+          <inkml:channelProperty channel="Y" name="resolution" value="1000" units="1/cm"/>
+        </inkml:channelProperties>
+      </inkml:inkSource>
+      <inkml:timestamp xml:id="ts0" timeString="2025-07-31T00:12:57.355"/>
+    </inkml:context>
+    <inkml:brush xml:id="br0">
+      <inkml:brushProperty name="width" value="0.2" units="cm"/>
+      <inkml:brushProperty name="height" value="0.2" units="cm"/>
+      <inkml:brushProperty name="color" value="#E71224"/>
+      <inkml:brushProperty name="ignorePressure" value="1"/>
+    </inkml:brush>
+  </inkml:definitions>
+  <inkml:trace contextRef="#ctx0" brushRef="#br0">1 0,'25443'0,"-25290"0</inkml:trace>
+</inkml:ink>
+</file>
+
+<file path=ppt/ink/ink4.xml><?xml version="1.0" encoding="utf-8"?>
+<inkml:ink xmlns:inkml="http://www.w3.org/2003/InkML">
+  <inkml:definitions>
+    <inkml:context xml:id="ctx0">
+      <inkml:inkSource xml:id="inkSrc0">
+        <inkml:traceFormat>
+          <inkml:channel name="X" type="integer" min="-2.14748E9" max="2.14748E9" units="cm"/>
+          <inkml:channel name="Y" type="integer" min="-2.14748E9" max="2.14748E9" units="cm"/>
+        </inkml:traceFormat>
+        <inkml:channelProperties>
+          <inkml:channelProperty channel="X" name="resolution" value="1000" units="1/cm"/>
+          <inkml:channelProperty channel="Y" name="resolution" value="1000" units="1/cm"/>
+        </inkml:channelProperties>
+      </inkml:inkSource>
+      <inkml:timestamp xml:id="ts0" timeString="2025-07-28T06:34:38.394"/>
+    </inkml:context>
+    <inkml:brush xml:id="br0">
+      <inkml:brushProperty name="width" value="0.2" units="cm"/>
+      <inkml:brushProperty name="height" value="0.2" units="cm"/>
+      <inkml:brushProperty name="color" value="#E71224"/>
+      <inkml:brushProperty name="ignorePressure" value="1"/>
+    </inkml:brush>
+  </inkml:definitions>
+  <inkml:trace contextRef="#ctx0" brushRef="#br0">1 0,'9313'0,"-9257"0</inkml:trace>
+</inkml:ink>
+</file>
+
+<file path=ppt/ink/ink5.xml><?xml version="1.0" encoding="utf-8"?>
+<inkml:ink xmlns:inkml="http://www.w3.org/2003/InkML">
+  <inkml:definitions>
+    <inkml:context xml:id="ctx0">
+      <inkml:inkSource xml:id="inkSrc0">
+        <inkml:traceFormat>
+          <inkml:channel name="X" type="integer" min="-2.14748E9" max="2.14748E9" units="cm"/>
+          <inkml:channel name="Y" type="integer" min="-2.14748E9" max="2.14748E9" units="cm"/>
+        </inkml:traceFormat>
+        <inkml:channelProperties>
+          <inkml:channelProperty channel="X" name="resolution" value="1000" units="1/cm"/>
+          <inkml:channelProperty channel="Y" name="resolution" value="1000" units="1/cm"/>
+        </inkml:channelProperties>
+      </inkml:inkSource>
+      <inkml:timestamp xml:id="ts0" timeString="2025-07-28T06:34:49.634"/>
+    </inkml:context>
+    <inkml:brush xml:id="br0">
+      <inkml:brushProperty name="width" value="0.2" units="cm"/>
+      <inkml:brushProperty name="height" value="0.2" units="cm"/>
+      <inkml:brushProperty name="color" value="#E71224"/>
+      <inkml:brushProperty name="ignorePressure" value="1"/>
+    </inkml:brush>
+  </inkml:definitions>
+  <inkml:trace contextRef="#ctx0" brushRef="#br0">1 0,'8088'0,"-8039"0</inkml:trace>
 </inkml:ink>
 </file>
 
@@ -234,7 +341,7 @@
           <a:p>
             <a:fld id="{70C29C4D-AD7A-4582-B009-04B44C5DA94F}" type="datetimeFigureOut">
               <a:rPr kumimoji="1" lang="ja-JP" altLang="en-US" smtClean="0"/>
-              <a:t>2025/7/26</a:t>
+              <a:t>2025/7/29</a:t>
             </a:fld>
             <a:endParaRPr kumimoji="1" lang="ja-JP" altLang="en-US"/>
           </a:p>
@@ -657,7 +764,7 @@
           <a:p>
             <a:fld id="{0D1D77EC-A497-4DFB-9831-6DEA50189182}" type="slidenum">
               <a:rPr kumimoji="1" lang="ja-JP" altLang="en-US" smtClean="0"/>
-              <a:t>3</a:t>
+              <a:t>2</a:t>
             </a:fld>
             <a:endParaRPr kumimoji="1" lang="ja-JP" altLang="en-US"/>
           </a:p>
@@ -741,7 +848,7 @@
           <a:p>
             <a:fld id="{0D1D77EC-A497-4DFB-9831-6DEA50189182}" type="slidenum">
               <a:rPr kumimoji="1" lang="ja-JP" altLang="en-US" smtClean="0"/>
-              <a:t>7</a:t>
+              <a:t>6</a:t>
             </a:fld>
             <a:endParaRPr kumimoji="1" lang="ja-JP" altLang="en-US"/>
           </a:p>
@@ -909,7 +1016,7 @@
           <a:p>
             <a:fld id="{313DF520-B1C2-4EDC-87D4-EF7CBEDA4989}" type="datetimeFigureOut">
               <a:rPr kumimoji="1" lang="ja-JP" altLang="en-US" smtClean="0"/>
-              <a:t>2025/7/26</a:t>
+              <a:t>2025/7/29</a:t>
             </a:fld>
             <a:endParaRPr kumimoji="1" lang="ja-JP" altLang="en-US"/>
           </a:p>
@@ -1109,7 +1216,7 @@
           <a:p>
             <a:fld id="{313DF520-B1C2-4EDC-87D4-EF7CBEDA4989}" type="datetimeFigureOut">
               <a:rPr kumimoji="1" lang="ja-JP" altLang="en-US" smtClean="0"/>
-              <a:t>2025/7/26</a:t>
+              <a:t>2025/7/29</a:t>
             </a:fld>
             <a:endParaRPr kumimoji="1" lang="ja-JP" altLang="en-US"/>
           </a:p>
@@ -1319,7 +1426,7 @@
           <a:p>
             <a:fld id="{313DF520-B1C2-4EDC-87D4-EF7CBEDA4989}" type="datetimeFigureOut">
               <a:rPr kumimoji="1" lang="ja-JP" altLang="en-US" smtClean="0"/>
-              <a:t>2025/7/26</a:t>
+              <a:t>2025/7/29</a:t>
             </a:fld>
             <a:endParaRPr kumimoji="1" lang="ja-JP" altLang="en-US"/>
           </a:p>
@@ -1519,7 +1626,7 @@
           <a:p>
             <a:fld id="{313DF520-B1C2-4EDC-87D4-EF7CBEDA4989}" type="datetimeFigureOut">
               <a:rPr kumimoji="1" lang="ja-JP" altLang="en-US" smtClean="0"/>
-              <a:t>2025/7/26</a:t>
+              <a:t>2025/7/29</a:t>
             </a:fld>
             <a:endParaRPr kumimoji="1" lang="ja-JP" altLang="en-US"/>
           </a:p>
@@ -1795,7 +1902,7 @@
           <a:p>
             <a:fld id="{313DF520-B1C2-4EDC-87D4-EF7CBEDA4989}" type="datetimeFigureOut">
               <a:rPr kumimoji="1" lang="ja-JP" altLang="en-US" smtClean="0"/>
-              <a:t>2025/7/26</a:t>
+              <a:t>2025/7/29</a:t>
             </a:fld>
             <a:endParaRPr kumimoji="1" lang="ja-JP" altLang="en-US"/>
           </a:p>
@@ -2063,7 +2170,7 @@
           <a:p>
             <a:fld id="{313DF520-B1C2-4EDC-87D4-EF7CBEDA4989}" type="datetimeFigureOut">
               <a:rPr kumimoji="1" lang="ja-JP" altLang="en-US" smtClean="0"/>
-              <a:t>2025/7/26</a:t>
+              <a:t>2025/7/29</a:t>
             </a:fld>
             <a:endParaRPr kumimoji="1" lang="ja-JP" altLang="en-US"/>
           </a:p>
@@ -2478,7 +2585,7 @@
           <a:p>
             <a:fld id="{313DF520-B1C2-4EDC-87D4-EF7CBEDA4989}" type="datetimeFigureOut">
               <a:rPr kumimoji="1" lang="ja-JP" altLang="en-US" smtClean="0"/>
-              <a:t>2025/7/26</a:t>
+              <a:t>2025/7/29</a:t>
             </a:fld>
             <a:endParaRPr kumimoji="1" lang="ja-JP" altLang="en-US"/>
           </a:p>
@@ -2620,7 +2727,7 @@
           <a:p>
             <a:fld id="{313DF520-B1C2-4EDC-87D4-EF7CBEDA4989}" type="datetimeFigureOut">
               <a:rPr kumimoji="1" lang="ja-JP" altLang="en-US" smtClean="0"/>
-              <a:t>2025/7/26</a:t>
+              <a:t>2025/7/29</a:t>
             </a:fld>
             <a:endParaRPr kumimoji="1" lang="ja-JP" altLang="en-US"/>
           </a:p>
@@ -2733,7 +2840,7 @@
           <a:p>
             <a:fld id="{313DF520-B1C2-4EDC-87D4-EF7CBEDA4989}" type="datetimeFigureOut">
               <a:rPr kumimoji="1" lang="ja-JP" altLang="en-US" smtClean="0"/>
-              <a:t>2025/7/26</a:t>
+              <a:t>2025/7/29</a:t>
             </a:fld>
             <a:endParaRPr kumimoji="1" lang="ja-JP" altLang="en-US"/>
           </a:p>
@@ -3046,7 +3153,7 @@
           <a:p>
             <a:fld id="{313DF520-B1C2-4EDC-87D4-EF7CBEDA4989}" type="datetimeFigureOut">
               <a:rPr kumimoji="1" lang="ja-JP" altLang="en-US" smtClean="0"/>
-              <a:t>2025/7/26</a:t>
+              <a:t>2025/7/29</a:t>
             </a:fld>
             <a:endParaRPr kumimoji="1" lang="ja-JP" altLang="en-US"/>
           </a:p>
@@ -3335,7 +3442,7 @@
           <a:p>
             <a:fld id="{313DF520-B1C2-4EDC-87D4-EF7CBEDA4989}" type="datetimeFigureOut">
               <a:rPr kumimoji="1" lang="ja-JP" altLang="en-US" smtClean="0"/>
-              <a:t>2025/7/26</a:t>
+              <a:t>2025/7/29</a:t>
             </a:fld>
             <a:endParaRPr kumimoji="1" lang="ja-JP" altLang="en-US"/>
           </a:p>
@@ -3578,7 +3685,7 @@
           <a:p>
             <a:fld id="{313DF520-B1C2-4EDC-87D4-EF7CBEDA4989}" type="datetimeFigureOut">
               <a:rPr kumimoji="1" lang="ja-JP" altLang="en-US" smtClean="0"/>
-              <a:t>2025/7/26</a:t>
+              <a:t>2025/7/29</a:t>
             </a:fld>
             <a:endParaRPr kumimoji="1" lang="ja-JP" altLang="en-US"/>
           </a:p>
@@ -4011,7 +4118,12 @@
             <p:ph type="ctrTitle"/>
           </p:nvPr>
         </p:nvSpPr>
-        <p:spPr/>
+        <p:spPr>
+          <a:xfrm>
+            <a:off x="1371600" y="1611250"/>
+            <a:ext cx="9448800" cy="2387600"/>
+          </a:xfrm>
+        </p:spPr>
         <p:txBody>
           <a:bodyPr>
             <a:normAutofit/>
@@ -4019,26 +4131,44 @@
           <a:lstStyle/>
           <a:p>
             <a:r>
-              <a:rPr kumimoji="1" lang="ja-JP" altLang="en-US" sz="4400" b="1" dirty="0"/>
+              <a:rPr kumimoji="1" lang="ja-JP" altLang="en-US" sz="4800" dirty="0">
+                <a:latin typeface="メイリオ" panose="020B0604030504040204" pitchFamily="50" charset="-128"/>
+                <a:ea typeface="メイリオ" panose="020B0604030504040204" pitchFamily="50" charset="-128"/>
+              </a:rPr>
               <a:t>さぬきオリーブ受注管理システム</a:t>
             </a:r>
             <a:br>
-              <a:rPr kumimoji="1" lang="en-US" altLang="ja-JP" sz="4400" b="1" dirty="0"/>
+              <a:rPr kumimoji="1" lang="en-US" altLang="ja-JP" sz="4800" dirty="0">
+                <a:latin typeface="メイリオ" panose="020B0604030504040204" pitchFamily="50" charset="-128"/>
+                <a:ea typeface="メイリオ" panose="020B0604030504040204" pitchFamily="50" charset="-128"/>
+              </a:rPr>
             </a:br>
             <a:r>
-              <a:rPr kumimoji="1" lang="en-US" altLang="ja-JP" sz="4400" b="1" dirty="0"/>
+              <a:rPr kumimoji="1" lang="en-US" altLang="ja-JP" sz="4800" dirty="0">
+                <a:latin typeface="メイリオ" panose="020B0604030504040204" pitchFamily="50" charset="-128"/>
+                <a:ea typeface="メイリオ" panose="020B0604030504040204" pitchFamily="50" charset="-128"/>
+              </a:rPr>
               <a:t>SO-OMS(</a:t>
             </a:r>
             <a:r>
-              <a:rPr kumimoji="1" lang="ja-JP" altLang="en-US" sz="4400" b="1" dirty="0"/>
+              <a:rPr kumimoji="1" lang="ja-JP" altLang="en-US" sz="4800" dirty="0">
+                <a:latin typeface="メイリオ" panose="020B0604030504040204" pitchFamily="50" charset="-128"/>
+                <a:ea typeface="メイリオ" panose="020B0604030504040204" pitchFamily="50" charset="-128"/>
+              </a:rPr>
               <a:t>ソームス</a:t>
             </a:r>
             <a:r>
-              <a:rPr kumimoji="1" lang="en-US" altLang="ja-JP" sz="4400" b="1" dirty="0"/>
+              <a:rPr kumimoji="1" lang="en-US" altLang="ja-JP" sz="4800" dirty="0">
+                <a:latin typeface="メイリオ" panose="020B0604030504040204" pitchFamily="50" charset="-128"/>
+                <a:ea typeface="メイリオ" panose="020B0604030504040204" pitchFamily="50" charset="-128"/>
+              </a:rPr>
               <a:t>)</a:t>
             </a:r>
             <a:r>
-              <a:rPr kumimoji="1" lang="ja-JP" altLang="en-US" sz="4400" b="1" dirty="0"/>
+              <a:rPr kumimoji="1" lang="ja-JP" altLang="en-US" sz="4800" dirty="0">
+                <a:latin typeface="メイリオ" panose="020B0604030504040204" pitchFamily="50" charset="-128"/>
+                <a:ea typeface="メイリオ" panose="020B0604030504040204" pitchFamily="50" charset="-128"/>
+              </a:rPr>
               <a:t>のご提案</a:t>
             </a:r>
           </a:p>
@@ -4060,27 +4190,67 @@
             <p:ph type="subTitle" idx="1"/>
           </p:nvPr>
         </p:nvSpPr>
-        <p:spPr/>
-        <p:txBody>
-          <a:bodyPr/>
+        <p:spPr>
+          <a:xfrm>
+            <a:off x="1524000" y="4626320"/>
+            <a:ext cx="9144000" cy="875923"/>
+          </a:xfrm>
+        </p:spPr>
+        <p:txBody>
+          <a:bodyPr>
+            <a:normAutofit lnSpcReduction="10000"/>
+          </a:bodyPr>
           <a:lstStyle/>
           <a:p>
             <a:endParaRPr lang="en-US" altLang="ja-JP" dirty="0"/>
           </a:p>
           <a:p>
             <a:r>
-              <a:rPr lang="ja-JP" altLang="en-US" dirty="0"/>
+              <a:rPr lang="en-US" altLang="ja-JP" dirty="0">
+                <a:latin typeface="メイリオ" panose="020B0604030504040204" pitchFamily="50" charset="-128"/>
+                <a:ea typeface="メイリオ" panose="020B0604030504040204" pitchFamily="50" charset="-128"/>
+              </a:rPr>
+              <a:t>OMEGA</a:t>
+            </a:r>
+            <a:r>
+              <a:rPr lang="ja-JP" altLang="en-US" dirty="0">
+                <a:latin typeface="メイリオ" panose="020B0604030504040204" pitchFamily="50" charset="-128"/>
+                <a:ea typeface="メイリオ" panose="020B0604030504040204" pitchFamily="50" charset="-128"/>
+              </a:rPr>
               <a:t>高校　</a:t>
             </a:r>
             <a:r>
-              <a:rPr lang="en-US" altLang="ja-JP" dirty="0"/>
+              <a:rPr lang="en-US" altLang="ja-JP" dirty="0">
+                <a:latin typeface="メイリオ" panose="020B0604030504040204" pitchFamily="50" charset="-128"/>
+                <a:ea typeface="メイリオ" panose="020B0604030504040204" pitchFamily="50" charset="-128"/>
+              </a:rPr>
               <a:t>2</a:t>
             </a:r>
             <a:r>
-              <a:rPr lang="ja-JP" altLang="en-US" dirty="0"/>
-              <a:t>年</a:t>
-            </a:r>
-            <a:endParaRPr kumimoji="1" lang="ja-JP" altLang="en-US" dirty="0"/>
+              <a:rPr lang="ja-JP" altLang="en-US" dirty="0">
+                <a:latin typeface="メイリオ" panose="020B0604030504040204" pitchFamily="50" charset="-128"/>
+                <a:ea typeface="メイリオ" panose="020B0604030504040204" pitchFamily="50" charset="-128"/>
+              </a:rPr>
+              <a:t>年 </a:t>
+            </a:r>
+            <a:r>
+              <a:rPr lang="en-US" altLang="ja-JP" dirty="0">
+                <a:latin typeface="メイリオ" panose="020B0604030504040204" pitchFamily="50" charset="-128"/>
+                <a:ea typeface="メイリオ" panose="020B0604030504040204" pitchFamily="50" charset="-128"/>
+              </a:rPr>
+              <a:t>OMEGA </a:t>
+            </a:r>
+            <a:r>
+              <a:rPr lang="en-US" altLang="ja-JP" dirty="0" err="1">
+                <a:latin typeface="メイリオ" panose="020B0604030504040204" pitchFamily="50" charset="-128"/>
+                <a:ea typeface="メイリオ" panose="020B0604030504040204" pitchFamily="50" charset="-128"/>
+              </a:rPr>
+              <a:t>himajin</a:t>
+            </a:r>
+            <a:endParaRPr kumimoji="1" lang="ja-JP" altLang="en-US" dirty="0">
+              <a:latin typeface="メイリオ" panose="020B0604030504040204" pitchFamily="50" charset="-128"/>
+              <a:ea typeface="メイリオ" panose="020B0604030504040204" pitchFamily="50" charset="-128"/>
+            </a:endParaRPr>
           </a:p>
         </p:txBody>
       </p:sp>
@@ -4098,130 +4268,6 @@
 </file>
 
 <file path=ppt/slides/slide10.xml><?xml version="1.0" encoding="utf-8"?>
-<p:sld xmlns:a="http://schemas.openxmlformats.org/drawingml/2006/main" xmlns:r="http://schemas.openxmlformats.org/officeDocument/2006/relationships" xmlns:p="http://schemas.openxmlformats.org/presentationml/2006/main">
-  <p:cSld>
-    <p:spTree>
-      <p:nvGrpSpPr>
-        <p:cNvPr id="1" name=""/>
-        <p:cNvGrpSpPr/>
-        <p:nvPr/>
-      </p:nvGrpSpPr>
-      <p:grpSpPr>
-        <a:xfrm>
-          <a:off x="0" y="0"/>
-          <a:ext cx="0" cy="0"/>
-          <a:chOff x="0" y="0"/>
-          <a:chExt cx="0" cy="0"/>
-        </a:xfrm>
-      </p:grpSpPr>
-      <p:sp>
-        <p:nvSpPr>
-          <p:cNvPr id="2" name="Title 1">
-            <a:extLst>
-              <a:ext uri="{FF2B5EF4-FFF2-40B4-BE49-F238E27FC236}">
-                <a16:creationId xmlns:a16="http://schemas.microsoft.com/office/drawing/2014/main" id="{C4F88467-3618-07C0-DE03-A3D56239E194}"/>
-              </a:ext>
-            </a:extLst>
-          </p:cNvPr>
-          <p:cNvSpPr>
-            <a:spLocks noGrp="1"/>
-          </p:cNvSpPr>
-          <p:nvPr>
-            <p:ph type="title"/>
-          </p:nvPr>
-        </p:nvSpPr>
-        <p:spPr/>
-        <p:txBody>
-          <a:bodyPr/>
-          <a:lstStyle/>
-          <a:p>
-            <a:r>
-              <a:rPr kumimoji="1" lang="ja-JP" altLang="en-US" dirty="0"/>
-              <a:t>さいごに</a:t>
-            </a:r>
-          </a:p>
-        </p:txBody>
-      </p:sp>
-      <p:sp>
-        <p:nvSpPr>
-          <p:cNvPr id="3" name="Content Placeholder 2">
-            <a:extLst>
-              <a:ext uri="{FF2B5EF4-FFF2-40B4-BE49-F238E27FC236}">
-                <a16:creationId xmlns:a16="http://schemas.microsoft.com/office/drawing/2014/main" id="{D0226693-9A8D-ED60-2187-6109D527D982}"/>
-              </a:ext>
-            </a:extLst>
-          </p:cNvPr>
-          <p:cNvSpPr>
-            <a:spLocks noGrp="1"/>
-          </p:cNvSpPr>
-          <p:nvPr>
-            <p:ph idx="1"/>
-          </p:nvPr>
-        </p:nvSpPr>
-        <p:spPr/>
-        <p:txBody>
-          <a:bodyPr/>
-          <a:lstStyle/>
-          <a:p>
-            <a:pPr marL="0" indent="0">
-              <a:buNone/>
-            </a:pPr>
-            <a:r>
-              <a:rPr kumimoji="1" lang="en-US" altLang="ja-JP" dirty="0"/>
-              <a:t>SO-OMS</a:t>
-            </a:r>
-            <a:r>
-              <a:rPr kumimoji="1" lang="ja-JP" altLang="en-US" dirty="0"/>
-              <a:t>を使用すれば、御社の</a:t>
-            </a:r>
-            <a:endParaRPr kumimoji="1" lang="en-US" altLang="ja-JP" dirty="0"/>
-          </a:p>
-          <a:p>
-            <a:r>
-              <a:rPr kumimoji="1" lang="ja-JP" altLang="en-US" sz="4000" b="1" dirty="0"/>
-              <a:t>業務の効率化</a:t>
-            </a:r>
-            <a:endParaRPr kumimoji="1" lang="en-US" altLang="ja-JP" sz="4000" b="1" dirty="0"/>
-          </a:p>
-          <a:p>
-            <a:r>
-              <a:rPr lang="ja-JP" altLang="en-US" sz="4000" b="1" dirty="0"/>
-              <a:t>セキュリティの強化</a:t>
-            </a:r>
-            <a:endParaRPr kumimoji="1" lang="en-US" altLang="ja-JP" sz="4000" b="1" dirty="0"/>
-          </a:p>
-          <a:p>
-            <a:r>
-              <a:rPr kumimoji="1" lang="ja-JP" altLang="en-US" sz="4000" b="1" dirty="0"/>
-              <a:t>事業の拡大</a:t>
-            </a:r>
-            <a:endParaRPr kumimoji="1" lang="en-US" altLang="ja-JP" sz="4000" b="1" dirty="0"/>
-          </a:p>
-          <a:p>
-            <a:pPr marL="0" indent="0">
-              <a:buNone/>
-            </a:pPr>
-            <a:r>
-              <a:rPr kumimoji="1" lang="ja-JP" altLang="en-US" dirty="0"/>
-              <a:t>をお手伝いすることができます！</a:t>
-            </a:r>
-          </a:p>
-        </p:txBody>
-      </p:sp>
-    </p:spTree>
-    <p:extLst>
-      <p:ext uri="{BB962C8B-B14F-4D97-AF65-F5344CB8AC3E}">
-        <p14:creationId xmlns:p14="http://schemas.microsoft.com/office/powerpoint/2010/main" val="3550784842"/>
-      </p:ext>
-    </p:extLst>
-  </p:cSld>
-  <p:clrMapOvr>
-    <a:masterClrMapping/>
-  </p:clrMapOvr>
-</p:sld>
-</file>
-
-<file path=ppt/slides/slide11.xml><?xml version="1.0" encoding="utf-8"?>
 <p:sld xmlns:a="http://schemas.openxmlformats.org/drawingml/2006/main" xmlns:r="http://schemas.openxmlformats.org/officeDocument/2006/relationships" xmlns:p="http://schemas.openxmlformats.org/presentationml/2006/main">
   <p:cSld>
     <p:spTree>
@@ -4274,7 +4320,10 @@
           <a:p>
             <a:pPr algn="ctr"/>
             <a:r>
-              <a:rPr kumimoji="1" lang="ja-JP" altLang="en-US" sz="6000" b="1" dirty="0"/>
+              <a:rPr kumimoji="1" lang="ja-JP" altLang="en-US" sz="6000" b="1" dirty="0">
+                <a:latin typeface="メイリオ" panose="020B0604030504040204" pitchFamily="50" charset="-128"/>
+                <a:ea typeface="メイリオ" panose="020B0604030504040204" pitchFamily="50" charset="-128"/>
+              </a:rPr>
               <a:t>ご清聴ありがとうございました</a:t>
             </a:r>
           </a:p>
@@ -4329,15 +4378,24 @@
           <a:p>
             <a:pPr algn="ctr"/>
             <a:r>
-              <a:rPr lang="ja-JP" altLang="en-US" sz="3200" b="1" dirty="0"/>
+              <a:rPr lang="ja-JP" altLang="en-US" sz="3200" b="1" dirty="0">
+                <a:latin typeface="メイリオ" panose="020B0604030504040204" pitchFamily="50" charset="-128"/>
+                <a:ea typeface="メイリオ" panose="020B0604030504040204" pitchFamily="50" charset="-128"/>
+              </a:rPr>
               <a:t>ぜひ</a:t>
             </a:r>
             <a:r>
-              <a:rPr lang="en-US" altLang="ja-JP" sz="3200" b="1" dirty="0"/>
+              <a:rPr lang="en-US" altLang="ja-JP" sz="3200" b="1" dirty="0">
+                <a:latin typeface="メイリオ" panose="020B0604030504040204" pitchFamily="50" charset="-128"/>
+                <a:ea typeface="メイリオ" panose="020B0604030504040204" pitchFamily="50" charset="-128"/>
+              </a:rPr>
               <a:t>SO-OMS</a:t>
             </a:r>
             <a:r>
-              <a:rPr lang="ja-JP" altLang="en-US" sz="3200" b="1" dirty="0"/>
+              <a:rPr lang="ja-JP" altLang="en-US" sz="3200" b="1" dirty="0">
+                <a:latin typeface="メイリオ" panose="020B0604030504040204" pitchFamily="50" charset="-128"/>
+                <a:ea typeface="メイリオ" panose="020B0604030504040204" pitchFamily="50" charset="-128"/>
+              </a:rPr>
               <a:t>の導入をご検討ください</a:t>
             </a:r>
           </a:p>
@@ -4378,7 +4436,7 @@
           <p:cNvPr id="2" name="Title 1">
             <a:extLst>
               <a:ext uri="{FF2B5EF4-FFF2-40B4-BE49-F238E27FC236}">
-                <a16:creationId xmlns:a16="http://schemas.microsoft.com/office/drawing/2014/main" id="{D41AB6FD-70F5-94C2-E1A9-05F0F251A80D}"/>
+                <a16:creationId xmlns:a16="http://schemas.microsoft.com/office/drawing/2014/main" id="{12163E52-D7F4-DF3D-33E3-94EC02D39AE1}"/>
               </a:ext>
             </a:extLst>
           </p:cNvPr>
@@ -4395,147 +4453,10 @@
           <a:lstStyle/>
           <a:p>
             <a:r>
-              <a:rPr kumimoji="1" lang="ja-JP" altLang="en-US" dirty="0"/>
-              <a:t>目次</a:t>
-            </a:r>
-          </a:p>
-        </p:txBody>
-      </p:sp>
-      <p:sp>
-        <p:nvSpPr>
-          <p:cNvPr id="3" name="Content Placeholder 2">
-            <a:extLst>
-              <a:ext uri="{FF2B5EF4-FFF2-40B4-BE49-F238E27FC236}">
-                <a16:creationId xmlns:a16="http://schemas.microsoft.com/office/drawing/2014/main" id="{89B26BE9-8149-4883-FA24-51B0AEC2E896}"/>
-              </a:ext>
-            </a:extLst>
-          </p:cNvPr>
-          <p:cNvSpPr>
-            <a:spLocks noGrp="1"/>
-          </p:cNvSpPr>
-          <p:nvPr>
-            <p:ph idx="1"/>
-          </p:nvPr>
-        </p:nvSpPr>
-        <p:spPr/>
-        <p:txBody>
-          <a:bodyPr>
-            <a:normAutofit lnSpcReduction="10000"/>
-          </a:bodyPr>
-          <a:lstStyle/>
-          <a:p>
-            <a:r>
-              <a:rPr lang="en-US" altLang="ja-JP" dirty="0"/>
-              <a:t> </a:t>
-            </a:r>
-            <a:r>
-              <a:rPr lang="ja-JP" altLang="en-US" dirty="0"/>
-              <a:t>現状の課題とニーズ</a:t>
-            </a:r>
-            <a:endParaRPr lang="en-US" altLang="ja-JP" dirty="0"/>
-          </a:p>
-          <a:p>
-            <a:endParaRPr lang="en-US" altLang="ja-JP" dirty="0"/>
-          </a:p>
-          <a:p>
-            <a:r>
-              <a:rPr lang="ja-JP" altLang="en-US" dirty="0"/>
-              <a:t>本システムの特徴・長所</a:t>
-            </a:r>
-            <a:endParaRPr lang="en-US" altLang="ja-JP" dirty="0"/>
-          </a:p>
-          <a:p>
-            <a:endParaRPr lang="en-US" altLang="ja-JP" dirty="0"/>
-          </a:p>
-          <a:p>
-            <a:r>
-              <a:rPr lang="en-US" altLang="ja-JP" dirty="0"/>
-              <a:t>SO-OMS</a:t>
-            </a:r>
-            <a:r>
-              <a:rPr lang="ja-JP" altLang="en-US" dirty="0"/>
-              <a:t>の機能について</a:t>
-            </a:r>
-            <a:endParaRPr lang="en-US" altLang="ja-JP" dirty="0"/>
-          </a:p>
-          <a:p>
-            <a:endParaRPr lang="en-US" altLang="ja-JP" dirty="0"/>
-          </a:p>
-          <a:p>
-            <a:r>
-              <a:rPr lang="ja-JP" altLang="en-US" dirty="0"/>
-              <a:t>デモ実演</a:t>
-            </a:r>
-            <a:endParaRPr lang="en-US" altLang="ja-JP" dirty="0"/>
-          </a:p>
-          <a:p>
-            <a:endParaRPr lang="en-US" altLang="ja-JP" dirty="0"/>
-          </a:p>
-          <a:p>
-            <a:r>
-              <a:rPr lang="ja-JP" altLang="en-US" dirty="0"/>
-              <a:t>さいごに</a:t>
-            </a:r>
-            <a:endParaRPr lang="en-US" altLang="ja-JP" dirty="0"/>
-          </a:p>
-          <a:p>
-            <a:endParaRPr lang="en-US" altLang="ja-JP" dirty="0"/>
-          </a:p>
-        </p:txBody>
-      </p:sp>
-    </p:spTree>
-    <p:extLst>
-      <p:ext uri="{BB962C8B-B14F-4D97-AF65-F5344CB8AC3E}">
-        <p14:creationId xmlns:p14="http://schemas.microsoft.com/office/powerpoint/2010/main" val="3745339122"/>
-      </p:ext>
-    </p:extLst>
-  </p:cSld>
-  <p:clrMapOvr>
-    <a:masterClrMapping/>
-  </p:clrMapOvr>
-</p:sld>
-</file>
-
-<file path=ppt/slides/slide3.xml><?xml version="1.0" encoding="utf-8"?>
-<p:sld xmlns:a="http://schemas.openxmlformats.org/drawingml/2006/main" xmlns:r="http://schemas.openxmlformats.org/officeDocument/2006/relationships" xmlns:p="http://schemas.openxmlformats.org/presentationml/2006/main">
-  <p:cSld>
-    <p:spTree>
-      <p:nvGrpSpPr>
-        <p:cNvPr id="1" name=""/>
-        <p:cNvGrpSpPr/>
-        <p:nvPr/>
-      </p:nvGrpSpPr>
-      <p:grpSpPr>
-        <a:xfrm>
-          <a:off x="0" y="0"/>
-          <a:ext cx="0" cy="0"/>
-          <a:chOff x="0" y="0"/>
-          <a:chExt cx="0" cy="0"/>
-        </a:xfrm>
-      </p:grpSpPr>
-      <p:sp>
-        <p:nvSpPr>
-          <p:cNvPr id="2" name="Title 1">
-            <a:extLst>
-              <a:ext uri="{FF2B5EF4-FFF2-40B4-BE49-F238E27FC236}">
-                <a16:creationId xmlns:a16="http://schemas.microsoft.com/office/drawing/2014/main" id="{12163E52-D7F4-DF3D-33E3-94EC02D39AE1}"/>
-              </a:ext>
-            </a:extLst>
-          </p:cNvPr>
-          <p:cNvSpPr>
-            <a:spLocks noGrp="1"/>
-          </p:cNvSpPr>
-          <p:nvPr>
-            <p:ph type="title"/>
-          </p:nvPr>
-        </p:nvSpPr>
-        <p:spPr/>
-        <p:txBody>
-          <a:bodyPr/>
-          <a:lstStyle/>
-          <a:p>
-            <a:r>
-              <a:rPr kumimoji="1" lang="ja-JP" altLang="en-US" dirty="0"/>
+              <a:rPr kumimoji="1" lang="ja-JP" altLang="en-US" dirty="0">
+                <a:latin typeface="メイリオ" panose="020B0604030504040204" pitchFamily="50" charset="-128"/>
+                <a:ea typeface="メイリオ" panose="020B0604030504040204" pitchFamily="50" charset="-128"/>
+              </a:rPr>
               <a:t>現状の課題とニーズ</a:t>
             </a:r>
           </a:p>
@@ -4573,33 +4494,78 @@
               <a:buNone/>
             </a:pPr>
             <a:r>
-              <a:rPr kumimoji="1" lang="ja-JP" altLang="en-US" sz="4000" dirty="0"/>
+              <a:rPr kumimoji="1" lang="ja-JP" altLang="en-US" sz="4000" dirty="0">
+                <a:latin typeface="メイリオ" panose="020B0604030504040204" pitchFamily="50" charset="-128"/>
+                <a:ea typeface="メイリオ" panose="020B0604030504040204" pitchFamily="50" charset="-128"/>
+              </a:rPr>
               <a:t>現状の課題</a:t>
             </a:r>
-            <a:endParaRPr kumimoji="1" lang="en-US" altLang="ja-JP" sz="4000" dirty="0"/>
+            <a:endParaRPr kumimoji="1" lang="en-US" altLang="ja-JP" sz="4000" dirty="0">
+              <a:latin typeface="メイリオ" panose="020B0604030504040204" pitchFamily="50" charset="-128"/>
+              <a:ea typeface="メイリオ" panose="020B0604030504040204" pitchFamily="50" charset="-128"/>
+            </a:endParaRPr>
           </a:p>
           <a:p>
             <a:pPr marL="0" indent="0">
               <a:buNone/>
             </a:pPr>
             <a:br>
-              <a:rPr kumimoji="1" lang="en-US" altLang="ja-JP" u="sng" dirty="0"/>
+              <a:rPr kumimoji="1" lang="en-US" altLang="ja-JP" b="1" u="sng" dirty="0">
+                <a:highlight>
+                  <a:srgbClr val="FFFF00"/>
+                </a:highlight>
+                <a:latin typeface="メイリオ" panose="020B0604030504040204" pitchFamily="50" charset="-128"/>
+                <a:ea typeface="メイリオ" panose="020B0604030504040204" pitchFamily="50" charset="-128"/>
+              </a:rPr>
             </a:br>
             <a:r>
-              <a:rPr kumimoji="1" lang="en-US" altLang="ja-JP" sz="3600" dirty="0"/>
-              <a:t>- </a:t>
-            </a:r>
-            <a:r>
-              <a:rPr kumimoji="1" lang="ja-JP" altLang="en-US" sz="3600" u="sng" dirty="0"/>
-              <a:t>手作業による受注処理の負担とミス</a:t>
-            </a:r>
-            <a:endParaRPr kumimoji="1" lang="en-US" altLang="ja-JP" sz="3600" u="sng" dirty="0"/>
+              <a:rPr kumimoji="1" lang="en-US" altLang="ja-JP" sz="3600" dirty="0">
+                <a:latin typeface="メイリオ" panose="020B0604030504040204" pitchFamily="50" charset="-128"/>
+                <a:ea typeface="メイリオ" panose="020B0604030504040204" pitchFamily="50" charset="-128"/>
+              </a:rPr>
+              <a:t>-</a:t>
+            </a:r>
+            <a:r>
+              <a:rPr kumimoji="1" lang="en-US" altLang="ja-JP" sz="3600" b="1" dirty="0">
+                <a:latin typeface="メイリオ" panose="020B0604030504040204" pitchFamily="50" charset="-128"/>
+                <a:ea typeface="メイリオ" panose="020B0604030504040204" pitchFamily="50" charset="-128"/>
+              </a:rPr>
+              <a:t> </a:t>
+            </a:r>
+            <a:r>
+              <a:rPr kumimoji="1" lang="ja-JP" altLang="en-US" sz="3600" b="1" dirty="0">
+                <a:latin typeface="メイリオ" panose="020B0604030504040204" pitchFamily="50" charset="-128"/>
+                <a:ea typeface="メイリオ" panose="020B0604030504040204" pitchFamily="50" charset="-128"/>
+              </a:rPr>
+              <a:t>手作業による</a:t>
+            </a:r>
+            <a:r>
+              <a:rPr kumimoji="1" lang="en-US" altLang="ja-JP" sz="3600" b="1" dirty="0">
+                <a:latin typeface="メイリオ" panose="020B0604030504040204" pitchFamily="50" charset="-128"/>
+                <a:ea typeface="メイリオ" panose="020B0604030504040204" pitchFamily="50" charset="-128"/>
+              </a:rPr>
+              <a:t>Excel</a:t>
+            </a:r>
+            <a:r>
+              <a:rPr kumimoji="1" lang="ja-JP" altLang="en-US" sz="3600" b="1" dirty="0">
+                <a:latin typeface="メイリオ" panose="020B0604030504040204" pitchFamily="50" charset="-128"/>
+                <a:ea typeface="メイリオ" panose="020B0604030504040204" pitchFamily="50" charset="-128"/>
+              </a:rPr>
+              <a:t>業務の負担とミス</a:t>
+            </a:r>
+            <a:endParaRPr kumimoji="1" lang="en-US" altLang="ja-JP" sz="3600" b="1" dirty="0">
+              <a:latin typeface="メイリオ" panose="020B0604030504040204" pitchFamily="50" charset="-128"/>
+              <a:ea typeface="メイリオ" panose="020B0604030504040204" pitchFamily="50" charset="-128"/>
+            </a:endParaRPr>
           </a:p>
           <a:p>
             <a:pPr marL="0" indent="0">
               <a:buNone/>
             </a:pPr>
-            <a:endParaRPr kumimoji="1" lang="en-US" altLang="ja-JP" sz="3600" dirty="0"/>
+            <a:endParaRPr kumimoji="1" lang="en-US" altLang="ja-JP" sz="3600" dirty="0">
+              <a:latin typeface="メイリオ" panose="020B0604030504040204" pitchFamily="50" charset="-128"/>
+              <a:ea typeface="メイリオ" panose="020B0604030504040204" pitchFamily="50" charset="-128"/>
+            </a:endParaRPr>
           </a:p>
           <a:p>
             <a:pPr>
@@ -4607,17 +4573,26 @@
               <a:buChar char="-"/>
             </a:pPr>
             <a:r>
-              <a:rPr lang="ja-JP" altLang="en-US" sz="3600" u="sng" dirty="0"/>
-              <a:t>在庫管理の煩雑さ</a:t>
-            </a:r>
-            <a:endParaRPr lang="en-US" altLang="ja-JP" sz="3600" u="sng" dirty="0"/>
+              <a:rPr lang="ja-JP" altLang="en-US" sz="3600" b="1" dirty="0">
+                <a:latin typeface="メイリオ" panose="020B0604030504040204" pitchFamily="50" charset="-128"/>
+                <a:ea typeface="メイリオ" panose="020B0604030504040204" pitchFamily="50" charset="-128"/>
+              </a:rPr>
+              <a:t> 在庫管理の煩雑やズレ</a:t>
+            </a:r>
+            <a:endParaRPr lang="en-US" altLang="ja-JP" sz="3600" b="1" dirty="0">
+              <a:latin typeface="メイリオ" panose="020B0604030504040204" pitchFamily="50" charset="-128"/>
+              <a:ea typeface="メイリオ" panose="020B0604030504040204" pitchFamily="50" charset="-128"/>
+            </a:endParaRPr>
           </a:p>
           <a:p>
             <a:pPr>
               <a:buFontTx/>
               <a:buChar char="-"/>
             </a:pPr>
-            <a:endParaRPr lang="en-US" altLang="ja-JP" sz="3600" dirty="0"/>
+            <a:endParaRPr lang="en-US" altLang="ja-JP" sz="3600" dirty="0">
+              <a:latin typeface="メイリオ" panose="020B0604030504040204" pitchFamily="50" charset="-128"/>
+              <a:ea typeface="メイリオ" panose="020B0604030504040204" pitchFamily="50" charset="-128"/>
+            </a:endParaRPr>
           </a:p>
           <a:p>
             <a:pPr>
@@ -4625,14 +4600,23 @@
               <a:buChar char="-"/>
             </a:pPr>
             <a:r>
-              <a:rPr lang="en-US" altLang="ja-JP" sz="3600" u="sng" dirty="0"/>
+              <a:rPr lang="en-US" altLang="ja-JP" sz="3600" b="1" dirty="0">
+                <a:latin typeface="メイリオ" panose="020B0604030504040204" pitchFamily="50" charset="-128"/>
+                <a:ea typeface="メイリオ" panose="020B0604030504040204" pitchFamily="50" charset="-128"/>
+              </a:rPr>
               <a:t> </a:t>
             </a:r>
             <a:r>
-              <a:rPr lang="ja-JP" altLang="en-US" sz="3600" u="sng" dirty="0"/>
+              <a:rPr lang="ja-JP" altLang="en-US" sz="3600" b="1" dirty="0">
+                <a:latin typeface="メイリオ" panose="020B0604030504040204" pitchFamily="50" charset="-128"/>
+                <a:ea typeface="メイリオ" panose="020B0604030504040204" pitchFamily="50" charset="-128"/>
+              </a:rPr>
               <a:t>業務データの活用不足</a:t>
             </a:r>
-            <a:endParaRPr lang="en-US" altLang="ja-JP" sz="3600" u="sng" dirty="0"/>
+            <a:endParaRPr lang="en-US" altLang="ja-JP" sz="3600" b="1" dirty="0">
+              <a:latin typeface="メイリオ" panose="020B0604030504040204" pitchFamily="50" charset="-128"/>
+              <a:ea typeface="メイリオ" panose="020B0604030504040204" pitchFamily="50" charset="-128"/>
+            </a:endParaRPr>
           </a:p>
         </p:txBody>
       </p:sp>
@@ -4649,7 +4633,7 @@
 </p:sld>
 </file>
 
-<file path=ppt/slides/slide4.xml><?xml version="1.0" encoding="utf-8"?>
+<file path=ppt/slides/slide3.xml><?xml version="1.0" encoding="utf-8"?>
 <p:sld xmlns:a="http://schemas.openxmlformats.org/drawingml/2006/main" xmlns:r="http://schemas.openxmlformats.org/officeDocument/2006/relationships" xmlns:p="http://schemas.openxmlformats.org/presentationml/2006/main">
   <p:cSld>
     <p:spTree>
@@ -4694,7 +4678,10 @@
           <a:lstStyle/>
           <a:p>
             <a:r>
-              <a:rPr kumimoji="1" lang="ja-JP" altLang="en-US" dirty="0"/>
+              <a:rPr kumimoji="1" lang="ja-JP" altLang="en-US" dirty="0">
+                <a:latin typeface="メイリオ" panose="020B0604030504040204" pitchFamily="50" charset="-128"/>
+                <a:ea typeface="メイリオ" panose="020B0604030504040204" pitchFamily="50" charset="-128"/>
+              </a:rPr>
               <a:t>現状の課題とニーズ</a:t>
             </a:r>
           </a:p>
@@ -4724,7 +4711,7 @@
         </p:spPr>
         <p:txBody>
           <a:bodyPr>
-            <a:normAutofit/>
+            <a:normAutofit lnSpcReduction="10000"/>
           </a:bodyPr>
           <a:lstStyle/>
           <a:p>
@@ -4732,101 +4719,162 @@
               <a:buNone/>
             </a:pPr>
             <a:r>
-              <a:rPr lang="ja-JP" altLang="en-US" sz="3600" dirty="0"/>
+              <a:rPr lang="ja-JP" altLang="en-US" sz="3600" dirty="0">
+                <a:latin typeface="メイリオ" panose="020B0604030504040204" pitchFamily="50" charset="-128"/>
+                <a:ea typeface="メイリオ" panose="020B0604030504040204" pitchFamily="50" charset="-128"/>
+              </a:rPr>
               <a:t>改善ニーズ</a:t>
             </a:r>
-            <a:endParaRPr lang="en-US" altLang="ja-JP" sz="3600" dirty="0"/>
+            <a:endParaRPr lang="en-US" altLang="ja-JP" sz="3600" dirty="0">
+              <a:latin typeface="メイリオ" panose="020B0604030504040204" pitchFamily="50" charset="-128"/>
+              <a:ea typeface="メイリオ" panose="020B0604030504040204" pitchFamily="50" charset="-128"/>
+            </a:endParaRPr>
           </a:p>
           <a:p>
             <a:pPr marL="742950" indent="-742950">
               <a:buAutoNum type="arabicPeriod"/>
             </a:pPr>
             <a:r>
-              <a:rPr lang="ja-JP" altLang="en-US" sz="3600" dirty="0"/>
+              <a:rPr lang="ja-JP" altLang="en-US" sz="3600" dirty="0">
+                <a:latin typeface="メイリオ" panose="020B0604030504040204" pitchFamily="50" charset="-128"/>
+                <a:ea typeface="メイリオ" panose="020B0604030504040204" pitchFamily="50" charset="-128"/>
+              </a:rPr>
               <a:t>運営者</a:t>
             </a:r>
-            <a:endParaRPr lang="en-US" altLang="ja-JP" sz="3600" dirty="0"/>
+            <a:endParaRPr lang="en-US" altLang="ja-JP" sz="3600" dirty="0">
+              <a:latin typeface="メイリオ" panose="020B0604030504040204" pitchFamily="50" charset="-128"/>
+              <a:ea typeface="メイリオ" panose="020B0604030504040204" pitchFamily="50" charset="-128"/>
+            </a:endParaRPr>
           </a:p>
           <a:p>
             <a:pPr marL="0" indent="0">
               <a:buNone/>
             </a:pPr>
             <a:r>
-              <a:rPr lang="en-US" altLang="ja-JP" dirty="0"/>
+              <a:rPr lang="en-US" altLang="ja-JP" sz="3200" b="1" dirty="0">
+                <a:latin typeface="メイリオ" panose="020B0604030504040204" pitchFamily="50" charset="-128"/>
+                <a:ea typeface="メイリオ" panose="020B0604030504040204" pitchFamily="50" charset="-128"/>
+              </a:rPr>
               <a:t>- </a:t>
             </a:r>
             <a:r>
-              <a:rPr lang="ja-JP" altLang="en-US" dirty="0"/>
+              <a:rPr lang="ja-JP" altLang="en-US" sz="3200" b="1" dirty="0">
+                <a:latin typeface="メイリオ" panose="020B0604030504040204" pitchFamily="50" charset="-128"/>
+                <a:ea typeface="メイリオ" panose="020B0604030504040204" pitchFamily="50" charset="-128"/>
+              </a:rPr>
               <a:t>現場業務を効率化し、従業員の負担を減らしたい</a:t>
             </a:r>
           </a:p>
           <a:p>
+            <a:pPr>
+              <a:buFontTx/>
+              <a:buChar char="-"/>
+            </a:pPr>
+            <a:r>
+              <a:rPr lang="ja-JP" altLang="en-US" sz="3200" b="1" dirty="0">
+                <a:latin typeface="メイリオ" panose="020B0604030504040204" pitchFamily="50" charset="-128"/>
+                <a:ea typeface="メイリオ" panose="020B0604030504040204" pitchFamily="50" charset="-128"/>
+              </a:rPr>
+              <a:t>販売や顧客動向などを分析し、経営の参考にしたい</a:t>
+            </a:r>
+            <a:endParaRPr lang="en-US" altLang="ja-JP" sz="3200" b="1" dirty="0">
+              <a:latin typeface="メイリオ" panose="020B0604030504040204" pitchFamily="50" charset="-128"/>
+              <a:ea typeface="メイリオ" panose="020B0604030504040204" pitchFamily="50" charset="-128"/>
+            </a:endParaRPr>
+          </a:p>
+          <a:p>
+            <a:pPr>
+              <a:buFontTx/>
+              <a:buChar char="-"/>
+            </a:pPr>
+            <a:endParaRPr lang="en-US" altLang="ja-JP" sz="3200" b="1" dirty="0">
+              <a:latin typeface="メイリオ" panose="020B0604030504040204" pitchFamily="50" charset="-128"/>
+              <a:ea typeface="メイリオ" panose="020B0604030504040204" pitchFamily="50" charset="-128"/>
+            </a:endParaRPr>
+          </a:p>
+          <a:p>
             <a:pPr marL="0" indent="0">
               <a:buNone/>
             </a:pPr>
             <a:r>
-              <a:rPr lang="en-US" altLang="ja-JP" dirty="0"/>
+              <a:rPr lang="en-US" altLang="ja-JP" sz="3600" dirty="0">
+                <a:latin typeface="メイリオ" panose="020B0604030504040204" pitchFamily="50" charset="-128"/>
+                <a:ea typeface="メイリオ" panose="020B0604030504040204" pitchFamily="50" charset="-128"/>
+              </a:rPr>
+              <a:t>2. </a:t>
+            </a:r>
+            <a:r>
+              <a:rPr lang="ja-JP" altLang="en-US" sz="3600" dirty="0">
+                <a:latin typeface="メイリオ" panose="020B0604030504040204" pitchFamily="50" charset="-128"/>
+                <a:ea typeface="メイリオ" panose="020B0604030504040204" pitchFamily="50" charset="-128"/>
+              </a:rPr>
+              <a:t>従業員</a:t>
+            </a:r>
+            <a:endParaRPr lang="en-US" altLang="ja-JP" sz="3600" dirty="0">
+              <a:latin typeface="メイリオ" panose="020B0604030504040204" pitchFamily="50" charset="-128"/>
+              <a:ea typeface="メイリオ" panose="020B0604030504040204" pitchFamily="50" charset="-128"/>
+            </a:endParaRPr>
+          </a:p>
+          <a:p>
+            <a:pPr marL="0" indent="0">
+              <a:buNone/>
+            </a:pPr>
+            <a:r>
+              <a:rPr lang="en-US" altLang="ja-JP" sz="3200" b="1" dirty="0">
+                <a:latin typeface="メイリオ" panose="020B0604030504040204" pitchFamily="50" charset="-128"/>
+                <a:ea typeface="メイリオ" panose="020B0604030504040204" pitchFamily="50" charset="-128"/>
+              </a:rPr>
               <a:t>- </a:t>
             </a:r>
             <a:r>
-              <a:rPr lang="ja-JP" altLang="en-US" dirty="0"/>
-              <a:t>販売や顧客動向などを分析し、経営の参考にしたい</a:t>
-            </a:r>
-            <a:endParaRPr lang="en-US" altLang="ja-JP" dirty="0"/>
+              <a:rPr lang="ja-JP" altLang="en-US" sz="3200" b="1" dirty="0">
+                <a:latin typeface="メイリオ" panose="020B0604030504040204" pitchFamily="50" charset="-128"/>
+                <a:ea typeface="メイリオ" panose="020B0604030504040204" pitchFamily="50" charset="-128"/>
+              </a:rPr>
+              <a:t>日々の業務をもっと簡単に、正確に行いたい</a:t>
+            </a:r>
           </a:p>
           <a:p>
             <a:pPr marL="0" indent="0">
               <a:buNone/>
             </a:pPr>
             <a:r>
-              <a:rPr lang="en-US" altLang="ja-JP" sz="3600" dirty="0"/>
-              <a:t>2. </a:t>
-            </a:r>
-            <a:r>
-              <a:rPr lang="ja-JP" altLang="en-US" sz="3600" dirty="0"/>
-              <a:t>従業員</a:t>
-            </a:r>
-            <a:endParaRPr lang="en-US" altLang="ja-JP" sz="3600" dirty="0"/>
+              <a:rPr lang="en-US" altLang="ja-JP" sz="3200" b="1" dirty="0">
+                <a:latin typeface="メイリオ" panose="020B0604030504040204" pitchFamily="50" charset="-128"/>
+                <a:ea typeface="メイリオ" panose="020B0604030504040204" pitchFamily="50" charset="-128"/>
+              </a:rPr>
+              <a:t>- </a:t>
+            </a:r>
+            <a:r>
+              <a:rPr lang="ja-JP" altLang="en-US" sz="3200" b="1" dirty="0">
+                <a:latin typeface="メイリオ" panose="020B0604030504040204" pitchFamily="50" charset="-128"/>
+                <a:ea typeface="メイリオ" panose="020B0604030504040204" pitchFamily="50" charset="-128"/>
+              </a:rPr>
+              <a:t>管理や処理のミスを減らしたい</a:t>
+            </a:r>
           </a:p>
           <a:p>
             <a:pPr marL="0" indent="0">
               <a:buNone/>
             </a:pPr>
             <a:r>
-              <a:rPr lang="en-US" altLang="ja-JP" sz="3200" dirty="0"/>
+              <a:rPr lang="en-US" altLang="ja-JP" sz="3200" b="1" dirty="0">
+                <a:latin typeface="メイリオ" panose="020B0604030504040204" pitchFamily="50" charset="-128"/>
+                <a:ea typeface="メイリオ" panose="020B0604030504040204" pitchFamily="50" charset="-128"/>
+              </a:rPr>
               <a:t>- </a:t>
             </a:r>
             <a:r>
-              <a:rPr lang="ja-JP" altLang="en-US" sz="3200" dirty="0"/>
-              <a:t>日々の業務をもっと簡単に、正確に行いたい</a:t>
-            </a:r>
-          </a:p>
-          <a:p>
-            <a:pPr marL="0" indent="0">
-              <a:buNone/>
-            </a:pPr>
-            <a:r>
-              <a:rPr lang="en-US" altLang="ja-JP" sz="3200" dirty="0"/>
-              <a:t>- </a:t>
-            </a:r>
-            <a:r>
-              <a:rPr lang="ja-JP" altLang="en-US" sz="3200" dirty="0"/>
-              <a:t>管理や処理のミスを減らしたい</a:t>
-            </a:r>
-          </a:p>
-          <a:p>
-            <a:pPr marL="0" indent="0">
-              <a:buNone/>
-            </a:pPr>
-            <a:r>
-              <a:rPr lang="en-US" altLang="ja-JP" sz="3200" dirty="0"/>
-              <a:t>- </a:t>
-            </a:r>
-            <a:r>
-              <a:rPr lang="ja-JP" altLang="en-US" sz="3200" dirty="0"/>
+              <a:rPr lang="ja-JP" altLang="en-US" sz="3200" b="1" dirty="0">
+                <a:latin typeface="メイリオ" panose="020B0604030504040204" pitchFamily="50" charset="-128"/>
+                <a:ea typeface="メイリオ" panose="020B0604030504040204" pitchFamily="50" charset="-128"/>
+              </a:rPr>
               <a:t>必要な情報にアクセスし、対応をスムーズにしたい</a:t>
             </a:r>
-            <a:endParaRPr lang="en-US" altLang="ja-JP" sz="3200" dirty="0"/>
+            <a:endParaRPr lang="en-US" altLang="ja-JP" sz="3200" b="1" dirty="0">
+              <a:latin typeface="メイリオ" panose="020B0604030504040204" pitchFamily="50" charset="-128"/>
+              <a:ea typeface="メイリオ" panose="020B0604030504040204" pitchFamily="50" charset="-128"/>
+            </a:endParaRPr>
           </a:p>
         </p:txBody>
       </p:sp>
@@ -4834,6 +4882,436 @@
     <p:extLst>
       <p:ext uri="{BB962C8B-B14F-4D97-AF65-F5344CB8AC3E}">
         <p14:creationId xmlns:p14="http://schemas.microsoft.com/office/powerpoint/2010/main" val="4220340014"/>
+      </p:ext>
+    </p:extLst>
+  </p:cSld>
+  <p:clrMapOvr>
+    <a:masterClrMapping/>
+  </p:clrMapOvr>
+</p:sld>
+</file>
+
+<file path=ppt/slides/slide4.xml><?xml version="1.0" encoding="utf-8"?>
+<p:sld xmlns:a="http://schemas.openxmlformats.org/drawingml/2006/main" xmlns:r="http://schemas.openxmlformats.org/officeDocument/2006/relationships" xmlns:p="http://schemas.openxmlformats.org/presentationml/2006/main">
+  <p:cSld>
+    <p:spTree>
+      <p:nvGrpSpPr>
+        <p:cNvPr id="1" name=""/>
+        <p:cNvGrpSpPr/>
+        <p:nvPr/>
+      </p:nvGrpSpPr>
+      <p:grpSpPr>
+        <a:xfrm>
+          <a:off x="0" y="0"/>
+          <a:ext cx="0" cy="0"/>
+          <a:chOff x="0" y="0"/>
+          <a:chExt cx="0" cy="0"/>
+        </a:xfrm>
+      </p:grpSpPr>
+      <p:sp>
+        <p:nvSpPr>
+          <p:cNvPr id="2" name="Title 1">
+            <a:extLst>
+              <a:ext uri="{FF2B5EF4-FFF2-40B4-BE49-F238E27FC236}">
+                <a16:creationId xmlns:a16="http://schemas.microsoft.com/office/drawing/2014/main" id="{6B24D881-0622-C9A1-2592-7802B181F166}"/>
+              </a:ext>
+            </a:extLst>
+          </p:cNvPr>
+          <p:cNvSpPr>
+            <a:spLocks noGrp="1"/>
+          </p:cNvSpPr>
+          <p:nvPr>
+            <p:ph type="title"/>
+          </p:nvPr>
+        </p:nvSpPr>
+        <p:spPr/>
+        <p:txBody>
+          <a:bodyPr/>
+          <a:lstStyle/>
+          <a:p>
+            <a:r>
+              <a:rPr lang="ja-JP" altLang="en-US" dirty="0">
+                <a:latin typeface="メイリオ" panose="020B0604030504040204" pitchFamily="50" charset="-128"/>
+                <a:ea typeface="メイリオ" panose="020B0604030504040204" pitchFamily="50" charset="-128"/>
+              </a:rPr>
+              <a:t>現状の課題とニーズ</a:t>
+            </a:r>
+            <a:endParaRPr kumimoji="1" lang="ja-JP" altLang="en-US" dirty="0">
+              <a:latin typeface="メイリオ" panose="020B0604030504040204" pitchFamily="50" charset="-128"/>
+              <a:ea typeface="メイリオ" panose="020B0604030504040204" pitchFamily="50" charset="-128"/>
+            </a:endParaRPr>
+          </a:p>
+        </p:txBody>
+      </p:sp>
+      <p:sp>
+        <p:nvSpPr>
+          <p:cNvPr id="3" name="Content Placeholder 2">
+            <a:extLst>
+              <a:ext uri="{FF2B5EF4-FFF2-40B4-BE49-F238E27FC236}">
+                <a16:creationId xmlns:a16="http://schemas.microsoft.com/office/drawing/2014/main" id="{3005C1A3-E6BA-562D-85E9-7F84C2CAC9CB}"/>
+              </a:ext>
+            </a:extLst>
+          </p:cNvPr>
+          <p:cNvSpPr>
+            <a:spLocks noGrp="1"/>
+          </p:cNvSpPr>
+          <p:nvPr>
+            <p:ph idx="1"/>
+          </p:nvPr>
+        </p:nvSpPr>
+        <p:spPr>
+          <a:xfrm>
+            <a:off x="628073" y="1834861"/>
+            <a:ext cx="11074400" cy="4351338"/>
+          </a:xfrm>
+        </p:spPr>
+        <p:txBody>
+          <a:bodyPr>
+            <a:normAutofit/>
+          </a:bodyPr>
+          <a:lstStyle/>
+          <a:p>
+            <a:pPr marL="0" indent="0">
+              <a:buNone/>
+            </a:pPr>
+            <a:r>
+              <a:rPr lang="ja-JP" altLang="en-US" sz="3600" dirty="0">
+                <a:latin typeface="メイリオ" panose="020B0604030504040204" pitchFamily="50" charset="-128"/>
+                <a:ea typeface="メイリオ" panose="020B0604030504040204" pitchFamily="50" charset="-128"/>
+              </a:rPr>
+              <a:t>ソリューション</a:t>
+            </a:r>
+            <a:endParaRPr kumimoji="1" lang="en-US" altLang="ja-JP" dirty="0">
+              <a:latin typeface="メイリオ" panose="020B0604030504040204" pitchFamily="50" charset="-128"/>
+              <a:ea typeface="メイリオ" panose="020B0604030504040204" pitchFamily="50" charset="-128"/>
+            </a:endParaRPr>
+          </a:p>
+          <a:p>
+            <a:pPr marL="0" indent="0">
+              <a:buNone/>
+            </a:pPr>
+            <a:r>
+              <a:rPr lang="en-US" altLang="ja-JP" dirty="0">
+                <a:latin typeface="メイリオ" panose="020B0604030504040204" pitchFamily="50" charset="-128"/>
+                <a:ea typeface="メイリオ" panose="020B0604030504040204" pitchFamily="50" charset="-128"/>
+              </a:rPr>
+              <a:t>- </a:t>
+            </a:r>
+            <a:r>
+              <a:rPr lang="ja-JP" altLang="en-US" dirty="0">
+                <a:latin typeface="メイリオ" panose="020B0604030504040204" pitchFamily="50" charset="-128"/>
+                <a:ea typeface="メイリオ" panose="020B0604030504040204" pitchFamily="50" charset="-128"/>
+              </a:rPr>
+              <a:t>業務を簡単に、正確に行いたい </a:t>
+            </a:r>
+            <a:r>
+              <a:rPr lang="en-US" altLang="ja-JP" dirty="0">
+                <a:latin typeface="メイリオ" panose="020B0604030504040204" pitchFamily="50" charset="-128"/>
+                <a:ea typeface="メイリオ" panose="020B0604030504040204" pitchFamily="50" charset="-128"/>
+              </a:rPr>
+              <a:t>/ </a:t>
+            </a:r>
+            <a:r>
+              <a:rPr lang="ja-JP" altLang="en-US" dirty="0">
+                <a:latin typeface="メイリオ" panose="020B0604030504040204" pitchFamily="50" charset="-128"/>
+                <a:ea typeface="メイリオ" panose="020B0604030504040204" pitchFamily="50" charset="-128"/>
+              </a:rPr>
+              <a:t>ミスを減らしたい</a:t>
+            </a:r>
+          </a:p>
+          <a:p>
+            <a:pPr marL="0" indent="0">
+              <a:buNone/>
+            </a:pPr>
+            <a:r>
+              <a:rPr lang="ja-JP" altLang="en-US" b="1" dirty="0">
+                <a:latin typeface="メイリオ" panose="020B0604030504040204" pitchFamily="50" charset="-128"/>
+                <a:ea typeface="メイリオ" panose="020B0604030504040204" pitchFamily="50" charset="-128"/>
+              </a:rPr>
+              <a:t>	</a:t>
+            </a:r>
+            <a:r>
+              <a:rPr lang="en-US" altLang="ja-JP" b="1" dirty="0">
+                <a:latin typeface="メイリオ" panose="020B0604030504040204" pitchFamily="50" charset="-128"/>
+                <a:ea typeface="メイリオ" panose="020B0604030504040204" pitchFamily="50" charset="-128"/>
+              </a:rPr>
+              <a:t>=&gt; </a:t>
+            </a:r>
+            <a:r>
+              <a:rPr lang="ja-JP" altLang="en-US" b="1" dirty="0">
+                <a:latin typeface="メイリオ" panose="020B0604030504040204" pitchFamily="50" charset="-128"/>
+                <a:ea typeface="メイリオ" panose="020B0604030504040204" pitchFamily="50" charset="-128"/>
+              </a:rPr>
+              <a:t>入力項目のチェックや在庫アラートでミスを予防</a:t>
+            </a:r>
+          </a:p>
+          <a:p>
+            <a:pPr marL="0" indent="0">
+              <a:buNone/>
+            </a:pPr>
+            <a:r>
+              <a:rPr lang="en-US" altLang="ja-JP" dirty="0">
+                <a:latin typeface="メイリオ" panose="020B0604030504040204" pitchFamily="50" charset="-128"/>
+                <a:ea typeface="メイリオ" panose="020B0604030504040204" pitchFamily="50" charset="-128"/>
+              </a:rPr>
+              <a:t>- </a:t>
+            </a:r>
+            <a:r>
+              <a:rPr lang="ja-JP" altLang="en-US" dirty="0">
+                <a:latin typeface="メイリオ" panose="020B0604030504040204" pitchFamily="50" charset="-128"/>
+                <a:ea typeface="メイリオ" panose="020B0604030504040204" pitchFamily="50" charset="-128"/>
+              </a:rPr>
+              <a:t>必要な情報にアクセスし、対応をスムーズにしたい</a:t>
+            </a:r>
+          </a:p>
+          <a:p>
+            <a:pPr marL="0" indent="0">
+              <a:buNone/>
+            </a:pPr>
+            <a:r>
+              <a:rPr lang="ja-JP" altLang="en-US" b="1" dirty="0">
+                <a:latin typeface="メイリオ" panose="020B0604030504040204" pitchFamily="50" charset="-128"/>
+                <a:ea typeface="メイリオ" panose="020B0604030504040204" pitchFamily="50" charset="-128"/>
+              </a:rPr>
+              <a:t>	</a:t>
+            </a:r>
+            <a:r>
+              <a:rPr lang="en-US" altLang="ja-JP" b="1" dirty="0">
+                <a:latin typeface="メイリオ" panose="020B0604030504040204" pitchFamily="50" charset="-128"/>
+                <a:ea typeface="メイリオ" panose="020B0604030504040204" pitchFamily="50" charset="-128"/>
+              </a:rPr>
+              <a:t>=&gt; </a:t>
+            </a:r>
+            <a:r>
+              <a:rPr lang="ja-JP" altLang="en-US" b="1" dirty="0">
+                <a:latin typeface="メイリオ" panose="020B0604030504040204" pitchFamily="50" charset="-128"/>
+                <a:ea typeface="メイリオ" panose="020B0604030504040204" pitchFamily="50" charset="-128"/>
+              </a:rPr>
+              <a:t>直感的な</a:t>
+            </a:r>
+            <a:r>
+              <a:rPr lang="en-US" altLang="ja-JP" b="1" dirty="0">
+                <a:latin typeface="メイリオ" panose="020B0604030504040204" pitchFamily="50" charset="-128"/>
+                <a:ea typeface="メイリオ" panose="020B0604030504040204" pitchFamily="50" charset="-128"/>
+              </a:rPr>
+              <a:t>UI</a:t>
+            </a:r>
+            <a:r>
+              <a:rPr lang="ja-JP" altLang="en-US" b="1" dirty="0">
+                <a:latin typeface="メイリオ" panose="020B0604030504040204" pitchFamily="50" charset="-128"/>
+                <a:ea typeface="メイリオ" panose="020B0604030504040204" pitchFamily="50" charset="-128"/>
+              </a:rPr>
+              <a:t>、検索・絞り込み機能ですばやくアクセス</a:t>
+            </a:r>
+          </a:p>
+          <a:p>
+            <a:pPr marL="0" indent="0">
+              <a:buNone/>
+            </a:pPr>
+            <a:r>
+              <a:rPr lang="en-US" altLang="ja-JP" dirty="0">
+                <a:latin typeface="メイリオ" panose="020B0604030504040204" pitchFamily="50" charset="-128"/>
+                <a:ea typeface="メイリオ" panose="020B0604030504040204" pitchFamily="50" charset="-128"/>
+              </a:rPr>
+              <a:t>- </a:t>
+            </a:r>
+            <a:r>
+              <a:rPr lang="ja-JP" altLang="en-US" dirty="0">
+                <a:latin typeface="メイリオ" panose="020B0604030504040204" pitchFamily="50" charset="-128"/>
+                <a:ea typeface="メイリオ" panose="020B0604030504040204" pitchFamily="50" charset="-128"/>
+              </a:rPr>
+              <a:t>販売や顧客動向などを分析し、経営の参考にしたい</a:t>
+            </a:r>
+          </a:p>
+          <a:p>
+            <a:pPr marL="0" indent="0">
+              <a:buNone/>
+            </a:pPr>
+            <a:r>
+              <a:rPr lang="ja-JP" altLang="en-US" b="1" dirty="0">
+                <a:latin typeface="メイリオ" panose="020B0604030504040204" pitchFamily="50" charset="-128"/>
+                <a:ea typeface="メイリオ" panose="020B0604030504040204" pitchFamily="50" charset="-128"/>
+              </a:rPr>
+              <a:t>	</a:t>
+            </a:r>
+            <a:r>
+              <a:rPr lang="en-US" altLang="ja-JP" b="1" dirty="0">
+                <a:latin typeface="メイリオ" panose="020B0604030504040204" pitchFamily="50" charset="-128"/>
+                <a:ea typeface="メイリオ" panose="020B0604030504040204" pitchFamily="50" charset="-128"/>
+              </a:rPr>
+              <a:t>=&gt; </a:t>
+            </a:r>
+            <a:r>
+              <a:rPr lang="ja-JP" altLang="en-US" b="1" dirty="0">
+                <a:latin typeface="メイリオ" panose="020B0604030504040204" pitchFamily="50" charset="-128"/>
+                <a:ea typeface="メイリオ" panose="020B0604030504040204" pitchFamily="50" charset="-128"/>
+              </a:rPr>
+              <a:t>商品別売上などの売上グラフを可視化し、経営判断に活用</a:t>
+            </a:r>
+            <a:endParaRPr kumimoji="1" lang="ja-JP" altLang="en-US" b="1" dirty="0">
+              <a:latin typeface="メイリオ" panose="020B0604030504040204" pitchFamily="50" charset="-128"/>
+              <a:ea typeface="メイリオ" panose="020B0604030504040204" pitchFamily="50" charset="-128"/>
+            </a:endParaRPr>
+          </a:p>
+        </p:txBody>
+      </p:sp>
+      <mc:AlternateContent xmlns:mc="http://schemas.openxmlformats.org/markup-compatibility/2006">
+        <mc:Choice xmlns:p14="http://schemas.microsoft.com/office/powerpoint/2010/main" Requires="p14">
+          <p:contentPart p14:bwMode="auto" r:id="rId2">
+            <p14:nvContentPartPr>
+              <p14:cNvPr id="4" name="Ink 3">
+                <a:extLst>
+                  <a:ext uri="{FF2B5EF4-FFF2-40B4-BE49-F238E27FC236}">
+                    <a16:creationId xmlns:a16="http://schemas.microsoft.com/office/drawing/2014/main" id="{B63024AE-C54F-1409-0E6C-95FA8FAB864B}"/>
+                  </a:ext>
+                </a:extLst>
+              </p14:cNvPr>
+              <p14:cNvContentPartPr/>
+              <p14:nvPr/>
+            </p14:nvContentPartPr>
+            <p14:xfrm>
+              <a:off x="2348525" y="3361592"/>
+              <a:ext cx="7800410" cy="360"/>
+            </p14:xfrm>
+          </p:contentPart>
+        </mc:Choice>
+        <mc:Fallback>
+          <p:pic>
+            <p:nvPicPr>
+              <p:cNvPr id="4" name="Ink 3">
+                <a:extLst>
+                  <a:ext uri="{FF2B5EF4-FFF2-40B4-BE49-F238E27FC236}">
+                    <a16:creationId xmlns:a16="http://schemas.microsoft.com/office/drawing/2014/main" id="{B63024AE-C54F-1409-0E6C-95FA8FAB864B}"/>
+                  </a:ext>
+                </a:extLst>
+              </p:cNvPr>
+              <p:cNvPicPr/>
+              <p:nvPr/>
+            </p:nvPicPr>
+            <p:blipFill>
+              <a:blip r:embed="rId3"/>
+              <a:stretch>
+                <a:fillRect/>
+              </a:stretch>
+            </p:blipFill>
+            <p:spPr>
+              <a:xfrm>
+                <a:off x="2312522" y="3325592"/>
+                <a:ext cx="7872056" cy="72000"/>
+              </a:xfrm>
+              <a:prstGeom prst="rect">
+                <a:avLst/>
+              </a:prstGeom>
+            </p:spPr>
+          </p:pic>
+        </mc:Fallback>
+      </mc:AlternateContent>
+      <mc:AlternateContent xmlns:mc="http://schemas.openxmlformats.org/markup-compatibility/2006">
+        <mc:Choice xmlns:p14="http://schemas.microsoft.com/office/powerpoint/2010/main" Requires="p14">
+          <p:contentPart p14:bwMode="auto" r:id="rId4">
+            <p14:nvContentPartPr>
+              <p14:cNvPr id="5" name="Ink 4">
+                <a:extLst>
+                  <a:ext uri="{FF2B5EF4-FFF2-40B4-BE49-F238E27FC236}">
+                    <a16:creationId xmlns:a16="http://schemas.microsoft.com/office/drawing/2014/main" id="{AEB8DC15-24CD-4371-98E7-936EAA096536}"/>
+                  </a:ext>
+                </a:extLst>
+              </p14:cNvPr>
+              <p14:cNvContentPartPr/>
+              <p14:nvPr/>
+            </p14:nvContentPartPr>
+            <p14:xfrm>
+              <a:off x="2348524" y="4410285"/>
+              <a:ext cx="8660489" cy="360"/>
+            </p14:xfrm>
+          </p:contentPart>
+        </mc:Choice>
+        <mc:Fallback>
+          <p:pic>
+            <p:nvPicPr>
+              <p:cNvPr id="5" name="Ink 4">
+                <a:extLst>
+                  <a:ext uri="{FF2B5EF4-FFF2-40B4-BE49-F238E27FC236}">
+                    <a16:creationId xmlns:a16="http://schemas.microsoft.com/office/drawing/2014/main" id="{AEB8DC15-24CD-4371-98E7-936EAA096536}"/>
+                  </a:ext>
+                </a:extLst>
+              </p:cNvPr>
+              <p:cNvPicPr/>
+              <p:nvPr/>
+            </p:nvPicPr>
+            <p:blipFill>
+              <a:blip r:embed="rId3"/>
+              <a:stretch>
+                <a:fillRect/>
+              </a:stretch>
+            </p:blipFill>
+            <p:spPr>
+              <a:xfrm>
+                <a:off x="2312521" y="4374285"/>
+                <a:ext cx="8732135" cy="72000"/>
+              </a:xfrm>
+              <a:prstGeom prst="rect">
+                <a:avLst/>
+              </a:prstGeom>
+            </p:spPr>
+          </p:pic>
+        </mc:Fallback>
+      </mc:AlternateContent>
+      <mc:AlternateContent xmlns:mc="http://schemas.openxmlformats.org/markup-compatibility/2006">
+        <mc:Choice xmlns:p14="http://schemas.microsoft.com/office/powerpoint/2010/main" Requires="p14">
+          <p:contentPart p14:bwMode="auto" r:id="rId5">
+            <p14:nvContentPartPr>
+              <p14:cNvPr id="6" name="Ink 5">
+                <a:extLst>
+                  <a:ext uri="{FF2B5EF4-FFF2-40B4-BE49-F238E27FC236}">
+                    <a16:creationId xmlns:a16="http://schemas.microsoft.com/office/drawing/2014/main" id="{B8F9E296-87EF-B066-0561-B016BDAF326D}"/>
+                  </a:ext>
+                </a:extLst>
+              </p14:cNvPr>
+              <p14:cNvContentPartPr/>
+              <p14:nvPr/>
+            </p14:nvContentPartPr>
+            <p14:xfrm>
+              <a:off x="2348525" y="5458618"/>
+              <a:ext cx="9215402" cy="360"/>
+            </p14:xfrm>
+          </p:contentPart>
+        </mc:Choice>
+        <mc:Fallback>
+          <p:pic>
+            <p:nvPicPr>
+              <p:cNvPr id="6" name="Ink 5">
+                <a:extLst>
+                  <a:ext uri="{FF2B5EF4-FFF2-40B4-BE49-F238E27FC236}">
+                    <a16:creationId xmlns:a16="http://schemas.microsoft.com/office/drawing/2014/main" id="{B8F9E296-87EF-B066-0561-B016BDAF326D}"/>
+                  </a:ext>
+                </a:extLst>
+              </p:cNvPr>
+              <p:cNvPicPr/>
+              <p:nvPr/>
+            </p:nvPicPr>
+            <p:blipFill>
+              <a:blip r:embed="rId3"/>
+              <a:stretch>
+                <a:fillRect/>
+              </a:stretch>
+            </p:blipFill>
+            <p:spPr>
+              <a:xfrm>
+                <a:off x="2312523" y="5422618"/>
+                <a:ext cx="9287046" cy="72000"/>
+              </a:xfrm>
+              <a:prstGeom prst="rect">
+                <a:avLst/>
+              </a:prstGeom>
+            </p:spPr>
+          </p:pic>
+        </mc:Fallback>
+      </mc:AlternateContent>
+    </p:spTree>
+    <p:extLst>
+      <p:ext uri="{BB962C8B-B14F-4D97-AF65-F5344CB8AC3E}">
+        <p14:creationId xmlns:p14="http://schemas.microsoft.com/office/powerpoint/2010/main" val="2073525626"/>
       </p:ext>
     </p:extLst>
   </p:cSld>
@@ -4865,7 +5343,7 @@
           <p:cNvPr id="2" name="Title 1">
             <a:extLst>
               <a:ext uri="{FF2B5EF4-FFF2-40B4-BE49-F238E27FC236}">
-                <a16:creationId xmlns:a16="http://schemas.microsoft.com/office/drawing/2014/main" id="{6B24D881-0622-C9A1-2592-7802B181F166}"/>
+                <a16:creationId xmlns:a16="http://schemas.microsoft.com/office/drawing/2014/main" id="{82543B2A-76B7-B051-7D38-0F0536A3CE74}"/>
               </a:ext>
             </a:extLst>
           </p:cNvPr>
@@ -4882,10 +5360,12 @@
           <a:lstStyle/>
           <a:p>
             <a:r>
-              <a:rPr lang="ja-JP" altLang="en-US" dirty="0"/>
-              <a:t>現状の課題とニーズ</a:t>
-            </a:r>
-            <a:endParaRPr kumimoji="1" lang="ja-JP" altLang="en-US" dirty="0"/>
+              <a:rPr kumimoji="1" lang="ja-JP" altLang="en-US" dirty="0">
+                <a:latin typeface="メイリオ" panose="020B0604030504040204" pitchFamily="50" charset="-128"/>
+                <a:ea typeface="メイリオ" panose="020B0604030504040204" pitchFamily="50" charset="-128"/>
+              </a:rPr>
+              <a:t>システムの特徴・長所</a:t>
+            </a:r>
           </a:p>
         </p:txBody>
       </p:sp>
@@ -4894,7 +5374,7 @@
           <p:cNvPr id="3" name="Content Placeholder 2">
             <a:extLst>
               <a:ext uri="{FF2B5EF4-FFF2-40B4-BE49-F238E27FC236}">
-                <a16:creationId xmlns:a16="http://schemas.microsoft.com/office/drawing/2014/main" id="{3005C1A3-E6BA-562D-85E9-7F84C2CAC9CB}"/>
+                <a16:creationId xmlns:a16="http://schemas.microsoft.com/office/drawing/2014/main" id="{0B9120C9-D7FA-D798-2877-1D23163F559C}"/>
               </a:ext>
             </a:extLst>
           </p:cNvPr>
@@ -4907,8 +5387,8 @@
         </p:nvSpPr>
         <p:spPr>
           <a:xfrm>
-            <a:off x="628073" y="1834861"/>
-            <a:ext cx="11074400" cy="4351338"/>
+            <a:off x="838200" y="2489703"/>
+            <a:ext cx="10515600" cy="3687260"/>
           </a:xfrm>
         </p:spPr>
         <p:txBody>
@@ -4921,246 +5401,74 @@
               <a:buNone/>
             </a:pPr>
             <a:r>
-              <a:rPr lang="ja-JP" altLang="en-US" sz="3600" dirty="0"/>
-              <a:t>ソリューション</a:t>
-            </a:r>
-            <a:endParaRPr kumimoji="1" lang="en-US" altLang="ja-JP" dirty="0"/>
+              <a:rPr kumimoji="1" lang="ja-JP" altLang="en-US" sz="4000" b="1" dirty="0">
+                <a:latin typeface="メイリオ" panose="020B0604030504040204" pitchFamily="50" charset="-128"/>
+                <a:ea typeface="メイリオ" panose="020B0604030504040204" pitchFamily="50" charset="-128"/>
+              </a:rPr>
+              <a:t>・</a:t>
+            </a:r>
+            <a:r>
+              <a:rPr lang="en-US" altLang="ja-JP" sz="4000" b="1" dirty="0">
+                <a:latin typeface="メイリオ" panose="020B0604030504040204" pitchFamily="50" charset="-128"/>
+                <a:ea typeface="メイリオ" panose="020B0604030504040204" pitchFamily="50" charset="-128"/>
+              </a:rPr>
+              <a:t> </a:t>
+            </a:r>
+            <a:r>
+              <a:rPr kumimoji="1" lang="ja-JP" altLang="en-US" sz="4000" b="1" dirty="0">
+                <a:latin typeface="メイリオ" panose="020B0604030504040204" pitchFamily="50" charset="-128"/>
+                <a:ea typeface="メイリオ" panose="020B0604030504040204" pitchFamily="50" charset="-128"/>
+              </a:rPr>
+              <a:t>保守性・拡張性</a:t>
+            </a:r>
+            <a:endParaRPr kumimoji="1" lang="en-US" altLang="ja-JP" sz="4000" b="1" dirty="0">
+              <a:latin typeface="メイリオ" panose="020B0604030504040204" pitchFamily="50" charset="-128"/>
+              <a:ea typeface="メイリオ" panose="020B0604030504040204" pitchFamily="50" charset="-128"/>
+            </a:endParaRPr>
           </a:p>
           <a:p>
             <a:pPr marL="0" indent="0">
               <a:buNone/>
             </a:pPr>
-            <a:r>
-              <a:rPr lang="en-US" altLang="ja-JP" dirty="0"/>
-              <a:t>- </a:t>
-            </a:r>
-            <a:r>
-              <a:rPr lang="ja-JP" altLang="en-US" dirty="0"/>
-              <a:t>業務を簡単に、正確に行いたい </a:t>
-            </a:r>
-            <a:r>
-              <a:rPr lang="en-US" altLang="ja-JP" dirty="0"/>
-              <a:t>/ </a:t>
-            </a:r>
-            <a:r>
-              <a:rPr lang="ja-JP" altLang="en-US" dirty="0"/>
-              <a:t>ミスを減らしたい</a:t>
-            </a:r>
+            <a:endParaRPr kumimoji="1" lang="en-US" altLang="ja-JP" sz="4000" dirty="0">
+              <a:latin typeface="メイリオ" panose="020B0604030504040204" pitchFamily="50" charset="-128"/>
+              <a:ea typeface="メイリオ" panose="020B0604030504040204" pitchFamily="50" charset="-128"/>
+            </a:endParaRPr>
           </a:p>
           <a:p>
             <a:pPr marL="0" indent="0">
               <a:buNone/>
             </a:pPr>
             <a:r>
-              <a:rPr lang="ja-JP" altLang="en-US" b="1" dirty="0"/>
-              <a:t>	</a:t>
-            </a:r>
-            <a:r>
-              <a:rPr lang="en-US" altLang="ja-JP" b="1" dirty="0"/>
-              <a:t>=&gt; </a:t>
-            </a:r>
-            <a:r>
-              <a:rPr lang="ja-JP" altLang="en-US" b="1" dirty="0"/>
-              <a:t>入力項目のチェックや在庫アラートでミスを予防</a:t>
-            </a:r>
+              <a:rPr lang="ja-JP" altLang="en-US" sz="4000" b="1" dirty="0">
+                <a:latin typeface="メイリオ" panose="020B0604030504040204" pitchFamily="50" charset="-128"/>
+                <a:ea typeface="メイリオ" panose="020B0604030504040204" pitchFamily="50" charset="-128"/>
+              </a:rPr>
+              <a:t>・ セキュリティ</a:t>
+            </a:r>
+            <a:endParaRPr lang="en-US" altLang="ja-JP" sz="4000" b="1" dirty="0">
+              <a:latin typeface="メイリオ" panose="020B0604030504040204" pitchFamily="50" charset="-128"/>
+              <a:ea typeface="メイリオ" panose="020B0604030504040204" pitchFamily="50" charset="-128"/>
+            </a:endParaRPr>
           </a:p>
           <a:p>
             <a:pPr marL="0" indent="0">
               <a:buNone/>
             </a:pPr>
-            <a:r>
-              <a:rPr lang="en-US" altLang="ja-JP" dirty="0"/>
-              <a:t>- </a:t>
-            </a:r>
-            <a:r>
-              <a:rPr lang="ja-JP" altLang="en-US" dirty="0"/>
-              <a:t>必要な情報にアクセスし、対応をスムーズにしたい</a:t>
-            </a:r>
+            <a:endParaRPr lang="en-US" altLang="ja-JP" sz="4000" dirty="0">
+              <a:latin typeface="メイリオ" panose="020B0604030504040204" pitchFamily="50" charset="-128"/>
+              <a:ea typeface="メイリオ" panose="020B0604030504040204" pitchFamily="50" charset="-128"/>
+            </a:endParaRPr>
           </a:p>
           <a:p>
             <a:pPr marL="0" indent="0">
               <a:buNone/>
             </a:pPr>
             <a:r>
-              <a:rPr lang="ja-JP" altLang="en-US" b="1" dirty="0"/>
-              <a:t>	</a:t>
-            </a:r>
-            <a:r>
-              <a:rPr lang="en-US" altLang="ja-JP" b="1" dirty="0"/>
-              <a:t>=&gt; </a:t>
-            </a:r>
-            <a:r>
-              <a:rPr lang="ja-JP" altLang="en-US" b="1" dirty="0"/>
-              <a:t>直感的な</a:t>
-            </a:r>
-            <a:r>
-              <a:rPr lang="en-US" altLang="ja-JP" b="1" dirty="0"/>
-              <a:t>UI</a:t>
-            </a:r>
-            <a:r>
-              <a:rPr lang="ja-JP" altLang="en-US" b="1" dirty="0"/>
-              <a:t>、検索・絞り込み機能ですばやくアクセス</a:t>
-            </a:r>
-          </a:p>
-          <a:p>
-            <a:pPr marL="0" indent="0">
-              <a:buNone/>
-            </a:pPr>
-            <a:r>
-              <a:rPr lang="en-US" altLang="ja-JP" dirty="0"/>
-              <a:t>- </a:t>
-            </a:r>
-            <a:r>
-              <a:rPr lang="ja-JP" altLang="en-US" dirty="0"/>
-              <a:t>販売や顧客動向などを分析し、経営の参考にしたい</a:t>
-            </a:r>
-          </a:p>
-          <a:p>
-            <a:pPr marL="0" indent="0">
-              <a:buNone/>
-            </a:pPr>
-            <a:r>
-              <a:rPr lang="ja-JP" altLang="en-US" b="1" dirty="0"/>
-              <a:t>	</a:t>
-            </a:r>
-            <a:r>
-              <a:rPr lang="en-US" altLang="ja-JP" b="1" dirty="0"/>
-              <a:t>=&gt; </a:t>
-            </a:r>
-            <a:r>
-              <a:rPr lang="ja-JP" altLang="en-US" b="1" dirty="0"/>
-              <a:t>商品別売上などの売上グラフを可視化し、経営判断に活用</a:t>
-            </a:r>
-            <a:endParaRPr kumimoji="1" lang="ja-JP" altLang="en-US" b="1" dirty="0"/>
-          </a:p>
-        </p:txBody>
-      </p:sp>
-    </p:spTree>
-    <p:extLst>
-      <p:ext uri="{BB962C8B-B14F-4D97-AF65-F5344CB8AC3E}">
-        <p14:creationId xmlns:p14="http://schemas.microsoft.com/office/powerpoint/2010/main" val="2073525626"/>
-      </p:ext>
-    </p:extLst>
-  </p:cSld>
-  <p:clrMapOvr>
-    <a:masterClrMapping/>
-  </p:clrMapOvr>
-</p:sld>
-</file>
-
-<file path=ppt/slides/slide6.xml><?xml version="1.0" encoding="utf-8"?>
-<p:sld xmlns:a="http://schemas.openxmlformats.org/drawingml/2006/main" xmlns:r="http://schemas.openxmlformats.org/officeDocument/2006/relationships" xmlns:p="http://schemas.openxmlformats.org/presentationml/2006/main">
-  <p:cSld>
-    <p:spTree>
-      <p:nvGrpSpPr>
-        <p:cNvPr id="1" name=""/>
-        <p:cNvGrpSpPr/>
-        <p:nvPr/>
-      </p:nvGrpSpPr>
-      <p:grpSpPr>
-        <a:xfrm>
-          <a:off x="0" y="0"/>
-          <a:ext cx="0" cy="0"/>
-          <a:chOff x="0" y="0"/>
-          <a:chExt cx="0" cy="0"/>
-        </a:xfrm>
-      </p:grpSpPr>
-      <p:sp>
-        <p:nvSpPr>
-          <p:cNvPr id="2" name="Title 1">
-            <a:extLst>
-              <a:ext uri="{FF2B5EF4-FFF2-40B4-BE49-F238E27FC236}">
-                <a16:creationId xmlns:a16="http://schemas.microsoft.com/office/drawing/2014/main" id="{82543B2A-76B7-B051-7D38-0F0536A3CE74}"/>
-              </a:ext>
-            </a:extLst>
-          </p:cNvPr>
-          <p:cNvSpPr>
-            <a:spLocks noGrp="1"/>
-          </p:cNvSpPr>
-          <p:nvPr>
-            <p:ph type="title"/>
-          </p:nvPr>
-        </p:nvSpPr>
-        <p:spPr/>
-        <p:txBody>
-          <a:bodyPr/>
-          <a:lstStyle/>
-          <a:p>
-            <a:r>
-              <a:rPr kumimoji="1" lang="ja-JP" altLang="en-US" dirty="0"/>
-              <a:t>システムの特徴・長所</a:t>
-            </a:r>
-          </a:p>
-        </p:txBody>
-      </p:sp>
-      <p:sp>
-        <p:nvSpPr>
-          <p:cNvPr id="3" name="Content Placeholder 2">
-            <a:extLst>
-              <a:ext uri="{FF2B5EF4-FFF2-40B4-BE49-F238E27FC236}">
-                <a16:creationId xmlns:a16="http://schemas.microsoft.com/office/drawing/2014/main" id="{0B9120C9-D7FA-D798-2877-1D23163F559C}"/>
-              </a:ext>
-            </a:extLst>
-          </p:cNvPr>
-          <p:cNvSpPr>
-            <a:spLocks noGrp="1"/>
-          </p:cNvSpPr>
-          <p:nvPr>
-            <p:ph idx="1"/>
-          </p:nvPr>
-        </p:nvSpPr>
-        <p:spPr/>
-        <p:txBody>
-          <a:bodyPr>
-            <a:normAutofit/>
-          </a:bodyPr>
-          <a:lstStyle/>
-          <a:p>
-            <a:pPr marL="0" indent="0">
-              <a:buNone/>
-            </a:pPr>
-            <a:r>
-              <a:rPr kumimoji="1" lang="ja-JP" altLang="en-US" sz="4000" b="1" dirty="0"/>
-              <a:t>・</a:t>
-            </a:r>
-            <a:r>
-              <a:rPr lang="en-US" altLang="ja-JP" sz="4000" b="1" dirty="0"/>
-              <a:t> </a:t>
-            </a:r>
-            <a:r>
-              <a:rPr kumimoji="1" lang="ja-JP" altLang="en-US" sz="4000" b="1" dirty="0"/>
-              <a:t>保守性・拡張性</a:t>
-            </a:r>
-            <a:endParaRPr kumimoji="1" lang="en-US" altLang="ja-JP" sz="4000" b="1" dirty="0"/>
-          </a:p>
-          <a:p>
-            <a:pPr marL="0" indent="0">
-              <a:buNone/>
-            </a:pPr>
-            <a:endParaRPr kumimoji="1" lang="en-US" altLang="ja-JP" sz="4000" dirty="0"/>
-          </a:p>
-          <a:p>
-            <a:pPr marL="0" indent="0">
-              <a:buNone/>
-            </a:pPr>
-            <a:r>
-              <a:rPr lang="ja-JP" altLang="en-US" sz="4000" b="1" dirty="0"/>
-              <a:t>・ セキュリティ</a:t>
-            </a:r>
-            <a:endParaRPr lang="en-US" altLang="ja-JP" sz="4000" b="1" dirty="0"/>
-          </a:p>
-          <a:p>
-            <a:pPr marL="0" indent="0">
-              <a:buNone/>
-            </a:pPr>
-            <a:endParaRPr lang="en-US" altLang="ja-JP" sz="4000" dirty="0"/>
-          </a:p>
-          <a:p>
-            <a:pPr marL="0" indent="0">
-              <a:buNone/>
-            </a:pPr>
-            <a:r>
-              <a:rPr kumimoji="1" lang="ja-JP" altLang="en-US" sz="4000" b="1" dirty="0"/>
+              <a:rPr kumimoji="1" lang="ja-JP" altLang="en-US" sz="4000" b="1" dirty="0">
+                <a:latin typeface="メイリオ" panose="020B0604030504040204" pitchFamily="50" charset="-128"/>
+                <a:ea typeface="メイリオ" panose="020B0604030504040204" pitchFamily="50" charset="-128"/>
+              </a:rPr>
               <a:t>・ 業務効率化</a:t>
             </a:r>
           </a:p>
@@ -5179,7 +5487,7 @@
 </p:sld>
 </file>
 
-<file path=ppt/slides/slide7.xml><?xml version="1.0" encoding="utf-8"?>
+<file path=ppt/slides/slide6.xml><?xml version="1.0" encoding="utf-8"?>
 <p:sld xmlns:a="http://schemas.openxmlformats.org/drawingml/2006/main" xmlns:r="http://schemas.openxmlformats.org/officeDocument/2006/relationships" xmlns:p="http://schemas.openxmlformats.org/presentationml/2006/main">
   <p:cSld>
     <p:spTree>
@@ -5224,7 +5532,10 @@
           <a:lstStyle/>
           <a:p>
             <a:r>
-              <a:rPr kumimoji="1" lang="ja-JP" altLang="en-US" dirty="0"/>
+              <a:rPr kumimoji="1" lang="ja-JP" altLang="en-US" dirty="0">
+                <a:latin typeface="メイリオ" panose="020B0604030504040204" pitchFamily="50" charset="-128"/>
+                <a:ea typeface="メイリオ" panose="020B0604030504040204" pitchFamily="50" charset="-128"/>
+              </a:rPr>
               <a:t>システムの特徴・長所</a:t>
             </a:r>
           </a:p>
@@ -5257,53 +5568,77 @@
               <a:buNone/>
             </a:pPr>
             <a:r>
-              <a:rPr lang="ja-JP" altLang="en-US" sz="4000" b="1" dirty="0"/>
+              <a:rPr lang="ja-JP" altLang="en-US" sz="4000" b="1" dirty="0">
+                <a:latin typeface="メイリオ" panose="020B0604030504040204" pitchFamily="50" charset="-128"/>
+                <a:ea typeface="メイリオ" panose="020B0604030504040204" pitchFamily="50" charset="-128"/>
+              </a:rPr>
               <a:t>・個人情報保護法</a:t>
             </a:r>
-            <a:endParaRPr lang="en-US" altLang="ja-JP" sz="4000" b="1" dirty="0"/>
+            <a:endParaRPr lang="en-US" altLang="ja-JP" sz="4000" b="1" dirty="0">
+              <a:latin typeface="メイリオ" panose="020B0604030504040204" pitchFamily="50" charset="-128"/>
+              <a:ea typeface="メイリオ" panose="020B0604030504040204" pitchFamily="50" charset="-128"/>
+            </a:endParaRPr>
           </a:p>
           <a:p>
             <a:pPr marL="0" indent="0">
               <a:buNone/>
             </a:pPr>
-            <a:endParaRPr kumimoji="1" lang="en-US" altLang="ja-JP" sz="4000" b="1" dirty="0"/>
+            <a:endParaRPr kumimoji="1" lang="en-US" altLang="ja-JP" sz="4000" b="1" dirty="0">
+              <a:latin typeface="メイリオ" panose="020B0604030504040204" pitchFamily="50" charset="-128"/>
+              <a:ea typeface="メイリオ" panose="020B0604030504040204" pitchFamily="50" charset="-128"/>
+            </a:endParaRPr>
           </a:p>
           <a:p>
             <a:pPr marL="0" indent="0">
               <a:buNone/>
             </a:pPr>
             <a:r>
-              <a:rPr lang="ja-JP" altLang="en-US" sz="4000" b="1" dirty="0"/>
+              <a:rPr lang="ja-JP" altLang="en-US" sz="4000" b="1" dirty="0">
+                <a:latin typeface="メイリオ" panose="020B0604030504040204" pitchFamily="50" charset="-128"/>
+                <a:ea typeface="メイリオ" panose="020B0604030504040204" pitchFamily="50" charset="-128"/>
+              </a:rPr>
               <a:t>・会計監査など</a:t>
             </a:r>
-            <a:endParaRPr lang="en-US" altLang="ja-JP" sz="4000" b="1" dirty="0"/>
+            <a:endParaRPr lang="en-US" altLang="ja-JP" sz="4000" b="1" dirty="0">
+              <a:latin typeface="メイリオ" panose="020B0604030504040204" pitchFamily="50" charset="-128"/>
+              <a:ea typeface="メイリオ" panose="020B0604030504040204" pitchFamily="50" charset="-128"/>
+            </a:endParaRPr>
           </a:p>
           <a:p>
             <a:pPr marL="0" indent="0">
               <a:buNone/>
             </a:pPr>
-            <a:endParaRPr lang="en-US" altLang="ja-JP" sz="4000" b="1" dirty="0"/>
+            <a:endParaRPr lang="en-US" altLang="ja-JP" sz="4000" b="1" dirty="0">
+              <a:latin typeface="メイリオ" panose="020B0604030504040204" pitchFamily="50" charset="-128"/>
+              <a:ea typeface="メイリオ" panose="020B0604030504040204" pitchFamily="50" charset="-128"/>
+            </a:endParaRPr>
           </a:p>
           <a:p>
             <a:pPr marL="0" indent="0" algn="ctr">
               <a:buNone/>
             </a:pPr>
             <a:r>
-              <a:rPr lang="ja-JP" altLang="en-US" sz="4000" b="1" dirty="0"/>
+              <a:rPr lang="ja-JP" altLang="en-US" sz="4000" b="1" dirty="0">
+                <a:latin typeface="メイリオ" panose="020B0604030504040204" pitchFamily="50" charset="-128"/>
+                <a:ea typeface="メイリオ" panose="020B0604030504040204" pitchFamily="50" charset="-128"/>
+              </a:rPr>
               <a:t>これらに対応しています！</a:t>
             </a:r>
-            <a:endParaRPr lang="en-US" altLang="ja-JP" sz="4000" b="1" dirty="0"/>
-          </a:p>
-        </p:txBody>
-      </p:sp>
-      <mc:AlternateContent xmlns:mc="http://schemas.openxmlformats.org/markup-compatibility/2006" xmlns:p14="http://schemas.microsoft.com/office/powerpoint/2010/main">
-        <mc:Choice Requires="p14">
+            <a:endParaRPr lang="en-US" altLang="ja-JP" sz="4000" b="1" dirty="0">
+              <a:latin typeface="メイリオ" panose="020B0604030504040204" pitchFamily="50" charset="-128"/>
+              <a:ea typeface="メイリオ" panose="020B0604030504040204" pitchFamily="50" charset="-128"/>
+            </a:endParaRPr>
+          </a:p>
+        </p:txBody>
+      </p:sp>
+      <mc:AlternateContent xmlns:mc="http://schemas.openxmlformats.org/markup-compatibility/2006">
+        <mc:Choice xmlns:p14="http://schemas.microsoft.com/office/powerpoint/2010/main" Requires="p14">
           <p:contentPart p14:bwMode="auto" r:id="rId3">
             <p14:nvContentPartPr>
-              <p14:cNvPr id="5" name="Ink 4">
+              <p14:cNvPr id="4" name="Ink 3">
                 <a:extLst>
                   <a:ext uri="{FF2B5EF4-FFF2-40B4-BE49-F238E27FC236}">
-                    <a16:creationId xmlns:a16="http://schemas.microsoft.com/office/drawing/2014/main" id="{0B0F18D6-8439-EFA0-4B3E-6596742F95B5}"/>
+                    <a16:creationId xmlns:a16="http://schemas.microsoft.com/office/drawing/2014/main" id="{79509C2C-C330-7372-AE0F-38BE80FC9B7B}"/>
                   </a:ext>
                 </a:extLst>
               </p14:cNvPr>
@@ -5311,18 +5646,18 @@
               <p14:nvPr/>
             </p14:nvContentPartPr>
             <p14:xfrm>
-              <a:off x="3093927" y="5065153"/>
-              <a:ext cx="5922360" cy="360"/>
+              <a:off x="1488446" y="2410978"/>
+              <a:ext cx="3373265" cy="360"/>
             </p14:xfrm>
           </p:contentPart>
         </mc:Choice>
-        <mc:Fallback xmlns="">
+        <mc:Fallback>
           <p:pic>
             <p:nvPicPr>
-              <p:cNvPr id="5" name="Ink 4">
+              <p:cNvPr id="4" name="Ink 3">
                 <a:extLst>
                   <a:ext uri="{FF2B5EF4-FFF2-40B4-BE49-F238E27FC236}">
-                    <a16:creationId xmlns:a16="http://schemas.microsoft.com/office/drawing/2014/main" id="{0B0F18D6-8439-EFA0-4B3E-6596742F95B5}"/>
+                    <a16:creationId xmlns:a16="http://schemas.microsoft.com/office/drawing/2014/main" id="{79509C2C-C330-7372-AE0F-38BE80FC9B7B}"/>
                   </a:ext>
                 </a:extLst>
               </p:cNvPr>
@@ -5337,8 +5672,59 @@
             </p:blipFill>
             <p:spPr>
               <a:xfrm>
-                <a:off x="3058287" y="5029153"/>
-                <a:ext cx="5994000" cy="72000"/>
+                <a:off x="1452445" y="2374978"/>
+                <a:ext cx="3444906" cy="72000"/>
+              </a:xfrm>
+              <a:prstGeom prst="rect">
+                <a:avLst/>
+              </a:prstGeom>
+            </p:spPr>
+          </p:pic>
+        </mc:Fallback>
+      </mc:AlternateContent>
+      <mc:AlternateContent xmlns:mc="http://schemas.openxmlformats.org/markup-compatibility/2006" xmlns:p14="http://schemas.microsoft.com/office/powerpoint/2010/main">
+        <mc:Choice Requires="p14">
+          <p:contentPart p14:bwMode="auto" r:id="rId5">
+            <p14:nvContentPartPr>
+              <p14:cNvPr id="6" name="Ink 5">
+                <a:extLst>
+                  <a:ext uri="{FF2B5EF4-FFF2-40B4-BE49-F238E27FC236}">
+                    <a16:creationId xmlns:a16="http://schemas.microsoft.com/office/drawing/2014/main" id="{56FE5B00-FBE8-EF97-7492-71D295DA15E6}"/>
+                  </a:ext>
+                </a:extLst>
+              </p14:cNvPr>
+              <p14:cNvContentPartPr/>
+              <p14:nvPr/>
+            </p14:nvContentPartPr>
+            <p14:xfrm>
+              <a:off x="1488446" y="3749382"/>
+              <a:ext cx="2929646" cy="360"/>
+            </p14:xfrm>
+          </p:contentPart>
+        </mc:Choice>
+        <mc:Fallback xmlns="">
+          <p:pic>
+            <p:nvPicPr>
+              <p:cNvPr id="6" name="Ink 5">
+                <a:extLst>
+                  <a:ext uri="{FF2B5EF4-FFF2-40B4-BE49-F238E27FC236}">
+                    <a16:creationId xmlns:a16="http://schemas.microsoft.com/office/drawing/2014/main" id="{56FE5B00-FBE8-EF97-7492-71D295DA15E6}"/>
+                  </a:ext>
+                </a:extLst>
+              </p:cNvPr>
+              <p:cNvPicPr/>
+              <p:nvPr/>
+            </p:nvPicPr>
+            <p:blipFill>
+              <a:blip r:embed="rId6"/>
+              <a:stretch>
+                <a:fillRect/>
+              </a:stretch>
+            </p:blipFill>
+            <p:spPr>
+              <a:xfrm>
+                <a:off x="1452446" y="3713382"/>
+                <a:ext cx="3001285" cy="72000"/>
               </a:xfrm>
               <a:prstGeom prst="rect">
                 <a:avLst/>
@@ -5351,6 +5737,163 @@
     <p:extLst>
       <p:ext uri="{BB962C8B-B14F-4D97-AF65-F5344CB8AC3E}">
         <p14:creationId xmlns:p14="http://schemas.microsoft.com/office/powerpoint/2010/main" val="1736287150"/>
+      </p:ext>
+    </p:extLst>
+  </p:cSld>
+  <p:clrMapOvr>
+    <a:masterClrMapping/>
+  </p:clrMapOvr>
+</p:sld>
+</file>
+
+<file path=ppt/slides/slide7.xml><?xml version="1.0" encoding="utf-8"?>
+<p:sld xmlns:a="http://schemas.openxmlformats.org/drawingml/2006/main" xmlns:r="http://schemas.openxmlformats.org/officeDocument/2006/relationships" xmlns:p="http://schemas.openxmlformats.org/presentationml/2006/main">
+  <p:cSld>
+    <p:spTree>
+      <p:nvGrpSpPr>
+        <p:cNvPr id="1" name=""/>
+        <p:cNvGrpSpPr/>
+        <p:nvPr/>
+      </p:nvGrpSpPr>
+      <p:grpSpPr>
+        <a:xfrm>
+          <a:off x="0" y="0"/>
+          <a:ext cx="0" cy="0"/>
+          <a:chOff x="0" y="0"/>
+          <a:chExt cx="0" cy="0"/>
+        </a:xfrm>
+      </p:grpSpPr>
+      <p:sp>
+        <p:nvSpPr>
+          <p:cNvPr id="2" name="Title 1">
+            <a:extLst>
+              <a:ext uri="{FF2B5EF4-FFF2-40B4-BE49-F238E27FC236}">
+                <a16:creationId xmlns:a16="http://schemas.microsoft.com/office/drawing/2014/main" id="{7DF2C896-E251-CE86-0200-D7426497CC04}"/>
+              </a:ext>
+            </a:extLst>
+          </p:cNvPr>
+          <p:cNvSpPr>
+            <a:spLocks noGrp="1"/>
+          </p:cNvSpPr>
+          <p:nvPr>
+            <p:ph type="title"/>
+          </p:nvPr>
+        </p:nvSpPr>
+        <p:spPr/>
+        <p:txBody>
+          <a:bodyPr/>
+          <a:lstStyle/>
+          <a:p>
+            <a:r>
+              <a:rPr kumimoji="1" lang="en-US" altLang="ja-JP" dirty="0">
+                <a:latin typeface="メイリオ" panose="020B0604030504040204" pitchFamily="50" charset="-128"/>
+                <a:ea typeface="メイリオ" panose="020B0604030504040204" pitchFamily="50" charset="-128"/>
+              </a:rPr>
+              <a:t>SO-OMS</a:t>
+            </a:r>
+            <a:r>
+              <a:rPr kumimoji="1" lang="ja-JP" altLang="en-US" dirty="0">
+                <a:latin typeface="メイリオ" panose="020B0604030504040204" pitchFamily="50" charset="-128"/>
+                <a:ea typeface="メイリオ" panose="020B0604030504040204" pitchFamily="50" charset="-128"/>
+              </a:rPr>
+              <a:t>の機能</a:t>
+            </a:r>
+          </a:p>
+        </p:txBody>
+      </p:sp>
+      <p:sp>
+        <p:nvSpPr>
+          <p:cNvPr id="3" name="Content Placeholder 2">
+            <a:extLst>
+              <a:ext uri="{FF2B5EF4-FFF2-40B4-BE49-F238E27FC236}">
+                <a16:creationId xmlns:a16="http://schemas.microsoft.com/office/drawing/2014/main" id="{FC029EA4-FB75-06AE-9729-2A11ED9BE623}"/>
+              </a:ext>
+            </a:extLst>
+          </p:cNvPr>
+          <p:cNvSpPr>
+            <a:spLocks noGrp="1"/>
+          </p:cNvSpPr>
+          <p:nvPr>
+            <p:ph idx="1"/>
+          </p:nvPr>
+        </p:nvSpPr>
+        <p:spPr/>
+        <p:txBody>
+          <a:bodyPr>
+            <a:normAutofit/>
+          </a:bodyPr>
+          <a:lstStyle/>
+          <a:p>
+            <a:pPr marL="0" indent="0">
+              <a:buNone/>
+            </a:pPr>
+            <a:r>
+              <a:rPr kumimoji="1" lang="ja-JP" altLang="en-US" sz="3200" dirty="0">
+                <a:latin typeface="メイリオ" panose="020B0604030504040204" pitchFamily="50" charset="-128"/>
+                <a:ea typeface="メイリオ" panose="020B0604030504040204" pitchFamily="50" charset="-128"/>
+              </a:rPr>
+              <a:t>受注・在庫・顧客管理などに加え</a:t>
+            </a:r>
+            <a:r>
+              <a:rPr kumimoji="1" lang="en-US" altLang="ja-JP" sz="3200" dirty="0">
+                <a:latin typeface="メイリオ" panose="020B0604030504040204" pitchFamily="50" charset="-128"/>
+                <a:ea typeface="メイリオ" panose="020B0604030504040204" pitchFamily="50" charset="-128"/>
+              </a:rPr>
+              <a:t>…</a:t>
+            </a:r>
+          </a:p>
+          <a:p>
+            <a:pPr marL="0" indent="0">
+              <a:buNone/>
+            </a:pPr>
+            <a:endParaRPr kumimoji="1" lang="en-US" altLang="ja-JP" sz="3200" dirty="0">
+              <a:latin typeface="メイリオ" panose="020B0604030504040204" pitchFamily="50" charset="-128"/>
+              <a:ea typeface="メイリオ" panose="020B0604030504040204" pitchFamily="50" charset="-128"/>
+            </a:endParaRPr>
+          </a:p>
+          <a:p>
+            <a:pPr marL="0" indent="0">
+              <a:buNone/>
+            </a:pPr>
+            <a:r>
+              <a:rPr kumimoji="1" lang="ja-JP" altLang="en-US" sz="3200" b="1" dirty="0">
+                <a:latin typeface="メイリオ" panose="020B0604030504040204" pitchFamily="50" charset="-128"/>
+                <a:ea typeface="メイリオ" panose="020B0604030504040204" pitchFamily="50" charset="-128"/>
+              </a:rPr>
+              <a:t>自動インポート機能</a:t>
+            </a:r>
+            <a:endParaRPr kumimoji="1" lang="en-US" altLang="ja-JP" sz="3200" b="1" dirty="0">
+              <a:latin typeface="メイリオ" panose="020B0604030504040204" pitchFamily="50" charset="-128"/>
+              <a:ea typeface="メイリオ" panose="020B0604030504040204" pitchFamily="50" charset="-128"/>
+            </a:endParaRPr>
+          </a:p>
+          <a:p>
+            <a:pPr marL="0" indent="0">
+              <a:buNone/>
+            </a:pPr>
+            <a:endParaRPr lang="en-US" altLang="ja-JP" sz="3200" b="1" dirty="0">
+              <a:latin typeface="メイリオ" panose="020B0604030504040204" pitchFamily="50" charset="-128"/>
+              <a:ea typeface="メイリオ" panose="020B0604030504040204" pitchFamily="50" charset="-128"/>
+            </a:endParaRPr>
+          </a:p>
+          <a:p>
+            <a:pPr marL="0" indent="0">
+              <a:buNone/>
+            </a:pPr>
+            <a:r>
+              <a:rPr kumimoji="1" lang="ja-JP" altLang="en-US" sz="3200" b="1" dirty="0">
+                <a:latin typeface="メイリオ" panose="020B0604030504040204" pitchFamily="50" charset="-128"/>
+                <a:ea typeface="メイリオ" panose="020B0604030504040204" pitchFamily="50" charset="-128"/>
+              </a:rPr>
+              <a:t>在庫アラートの履歴保持機能</a:t>
+            </a:r>
+          </a:p>
+        </p:txBody>
+      </p:sp>
+    </p:spTree>
+    <p:extLst>
+      <p:ext uri="{BB962C8B-B14F-4D97-AF65-F5344CB8AC3E}">
+        <p14:creationId xmlns:p14="http://schemas.microsoft.com/office/powerpoint/2010/main" val="1855487449"/>
       </p:ext>
     </p:extLst>
   </p:cSld>
@@ -5382,7 +5925,7 @@
           <p:cNvPr id="2" name="Title 1">
             <a:extLst>
               <a:ext uri="{FF2B5EF4-FFF2-40B4-BE49-F238E27FC236}">
-                <a16:creationId xmlns:a16="http://schemas.microsoft.com/office/drawing/2014/main" id="{7DF2C896-E251-CE86-0200-D7426497CC04}"/>
+                <a16:creationId xmlns:a16="http://schemas.microsoft.com/office/drawing/2014/main" id="{73DD1849-02E9-5A42-F6FB-D3D5C1BBC2B7}"/>
               </a:ext>
             </a:extLst>
           </p:cNvPr>
@@ -5393,94 +5936,37 @@
             <p:ph type="title"/>
           </p:nvPr>
         </p:nvSpPr>
-        <p:spPr/>
-        <p:txBody>
-          <a:bodyPr/>
-          <a:lstStyle/>
-          <a:p>
-            <a:r>
-              <a:rPr kumimoji="1" lang="en-US" altLang="ja-JP" dirty="0"/>
-              <a:t>SO-OMS</a:t>
-            </a:r>
-            <a:r>
-              <a:rPr kumimoji="1" lang="ja-JP" altLang="en-US" dirty="0"/>
-              <a:t>の機能</a:t>
-            </a:r>
-          </a:p>
-        </p:txBody>
-      </p:sp>
-      <p:sp>
-        <p:nvSpPr>
-          <p:cNvPr id="3" name="Content Placeholder 2">
-            <a:extLst>
-              <a:ext uri="{FF2B5EF4-FFF2-40B4-BE49-F238E27FC236}">
-                <a16:creationId xmlns:a16="http://schemas.microsoft.com/office/drawing/2014/main" id="{FC029EA4-FB75-06AE-9729-2A11ED9BE623}"/>
-              </a:ext>
-            </a:extLst>
-          </p:cNvPr>
-          <p:cNvSpPr>
-            <a:spLocks noGrp="1"/>
-          </p:cNvSpPr>
-          <p:nvPr>
-            <p:ph idx="1"/>
-          </p:nvPr>
-        </p:nvSpPr>
-        <p:spPr/>
+        <p:spPr>
+          <a:xfrm>
+            <a:off x="838200" y="2766218"/>
+            <a:ext cx="10515600" cy="1325563"/>
+          </a:xfrm>
+        </p:spPr>
         <p:txBody>
           <a:bodyPr>
             <a:normAutofit/>
           </a:bodyPr>
           <a:lstStyle/>
           <a:p>
-            <a:pPr marL="0" indent="0">
-              <a:buNone/>
-            </a:pPr>
-            <a:r>
-              <a:rPr kumimoji="1" lang="ja-JP" altLang="en-US" sz="3200" dirty="0"/>
-              <a:t>受注・在庫・顧客管理などに加え</a:t>
-            </a:r>
-            <a:r>
-              <a:rPr kumimoji="1" lang="en-US" altLang="ja-JP" sz="3200" dirty="0"/>
-              <a:t>…</a:t>
-            </a:r>
-          </a:p>
-          <a:p>
-            <a:pPr marL="0" indent="0">
-              <a:buNone/>
-            </a:pPr>
-            <a:endParaRPr kumimoji="1" lang="en-US" altLang="ja-JP" sz="3200" dirty="0"/>
-          </a:p>
-          <a:p>
-            <a:pPr marL="0" indent="0">
-              <a:buNone/>
-            </a:pPr>
-            <a:r>
-              <a:rPr kumimoji="1" lang="ja-JP" altLang="en-US" sz="3200" b="1" dirty="0"/>
-              <a:t>自動インポート機能</a:t>
-            </a:r>
-            <a:endParaRPr kumimoji="1" lang="en-US" altLang="ja-JP" sz="3200" b="1" dirty="0"/>
-          </a:p>
-          <a:p>
-            <a:pPr marL="0" indent="0">
-              <a:buNone/>
-            </a:pPr>
-            <a:endParaRPr lang="en-US" altLang="ja-JP" sz="3200" b="1" dirty="0"/>
-          </a:p>
-          <a:p>
-            <a:pPr marL="0" indent="0">
-              <a:buNone/>
-            </a:pPr>
-            <a:r>
-              <a:rPr kumimoji="1" lang="ja-JP" altLang="en-US" sz="3200" b="1" dirty="0"/>
-              <a:t>在庫アラートの履歴保持機能</a:t>
-            </a:r>
+            <a:pPr algn="ctr"/>
+            <a:r>
+              <a:rPr lang="ja-JP" altLang="en-US" sz="6000" b="1" dirty="0">
+                <a:latin typeface="メイリオ" panose="020B0604030504040204" pitchFamily="50" charset="-128"/>
+                <a:ea typeface="メイリオ" panose="020B0604030504040204" pitchFamily="50" charset="-128"/>
+              </a:rPr>
+              <a:t>デモ実演</a:t>
+            </a:r>
+            <a:endParaRPr kumimoji="1" lang="ja-JP" altLang="en-US" sz="6000" b="1" dirty="0">
+              <a:latin typeface="メイリオ" panose="020B0604030504040204" pitchFamily="50" charset="-128"/>
+              <a:ea typeface="メイリオ" panose="020B0604030504040204" pitchFamily="50" charset="-128"/>
+            </a:endParaRPr>
           </a:p>
         </p:txBody>
       </p:sp>
     </p:spTree>
     <p:extLst>
       <p:ext uri="{BB962C8B-B14F-4D97-AF65-F5344CB8AC3E}">
-        <p14:creationId xmlns:p14="http://schemas.microsoft.com/office/powerpoint/2010/main" val="1855487449"/>
+        <p14:creationId xmlns:p14="http://schemas.microsoft.com/office/powerpoint/2010/main" val="1548816212"/>
       </p:ext>
     </p:extLst>
   </p:cSld>
@@ -5512,7 +5998,7 @@
           <p:cNvPr id="2" name="Title 1">
             <a:extLst>
               <a:ext uri="{FF2B5EF4-FFF2-40B4-BE49-F238E27FC236}">
-                <a16:creationId xmlns:a16="http://schemas.microsoft.com/office/drawing/2014/main" id="{73DD1849-02E9-5A42-F6FB-D3D5C1BBC2B7}"/>
+                <a16:creationId xmlns:a16="http://schemas.microsoft.com/office/drawing/2014/main" id="{C4F88467-3618-07C0-DE03-A3D56239E194}"/>
               </a:ext>
             </a:extLst>
           </p:cNvPr>
@@ -5523,31 +6009,135 @@
             <p:ph type="title"/>
           </p:nvPr>
         </p:nvSpPr>
-        <p:spPr>
-          <a:xfrm>
-            <a:off x="838200" y="2766218"/>
-            <a:ext cx="10515600" cy="1325563"/>
-          </a:xfrm>
-        </p:spPr>
+        <p:spPr/>
+        <p:txBody>
+          <a:bodyPr/>
+          <a:lstStyle/>
+          <a:p>
+            <a:r>
+              <a:rPr kumimoji="1" lang="ja-JP" altLang="en-US" dirty="0">
+                <a:latin typeface="メイリオ" panose="020B0604030504040204" pitchFamily="50" charset="-128"/>
+                <a:ea typeface="メイリオ" panose="020B0604030504040204" pitchFamily="50" charset="-128"/>
+              </a:rPr>
+              <a:t>さいごに</a:t>
+            </a:r>
+          </a:p>
+        </p:txBody>
+      </p:sp>
+      <p:sp>
+        <p:nvSpPr>
+          <p:cNvPr id="3" name="Content Placeholder 2">
+            <a:extLst>
+              <a:ext uri="{FF2B5EF4-FFF2-40B4-BE49-F238E27FC236}">
+                <a16:creationId xmlns:a16="http://schemas.microsoft.com/office/drawing/2014/main" id="{D0226693-9A8D-ED60-2187-6109D527D982}"/>
+              </a:ext>
+            </a:extLst>
+          </p:cNvPr>
+          <p:cNvSpPr>
+            <a:spLocks noGrp="1"/>
+          </p:cNvSpPr>
+          <p:nvPr>
+            <p:ph idx="1"/>
+          </p:nvPr>
+        </p:nvSpPr>
+        <p:spPr/>
         <p:txBody>
           <a:bodyPr>
-            <a:normAutofit/>
+            <a:normAutofit lnSpcReduction="10000"/>
           </a:bodyPr>
           <a:lstStyle/>
           <a:p>
-            <a:pPr algn="ctr"/>
-            <a:r>
-              <a:rPr lang="ja-JP" altLang="en-US" sz="6000" b="1" dirty="0"/>
-              <a:t>デモ実演</a:t>
-            </a:r>
-            <a:endParaRPr kumimoji="1" lang="ja-JP" altLang="en-US" sz="6000" b="1" dirty="0"/>
+            <a:pPr marL="0" indent="0">
+              <a:buNone/>
+            </a:pPr>
+            <a:r>
+              <a:rPr kumimoji="1" lang="en-US" altLang="ja-JP" dirty="0">
+                <a:latin typeface="メイリオ" panose="020B0604030504040204" pitchFamily="50" charset="-128"/>
+                <a:ea typeface="メイリオ" panose="020B0604030504040204" pitchFamily="50" charset="-128"/>
+              </a:rPr>
+              <a:t>SO-OMS</a:t>
+            </a:r>
+            <a:r>
+              <a:rPr kumimoji="1" lang="ja-JP" altLang="en-US" dirty="0">
+                <a:latin typeface="メイリオ" panose="020B0604030504040204" pitchFamily="50" charset="-128"/>
+                <a:ea typeface="メイリオ" panose="020B0604030504040204" pitchFamily="50" charset="-128"/>
+              </a:rPr>
+              <a:t>を使用すれば、御社の</a:t>
+            </a:r>
+            <a:endParaRPr kumimoji="1" lang="en-US" altLang="ja-JP" dirty="0">
+              <a:latin typeface="メイリオ" panose="020B0604030504040204" pitchFamily="50" charset="-128"/>
+              <a:ea typeface="メイリオ" panose="020B0604030504040204" pitchFamily="50" charset="-128"/>
+            </a:endParaRPr>
+          </a:p>
+          <a:p>
+            <a:r>
+              <a:rPr kumimoji="1" lang="ja-JP" altLang="en-US" sz="4000" b="1" dirty="0">
+                <a:latin typeface="メイリオ" panose="020B0604030504040204" pitchFamily="50" charset="-128"/>
+                <a:ea typeface="メイリオ" panose="020B0604030504040204" pitchFamily="50" charset="-128"/>
+              </a:rPr>
+              <a:t>業務効率化</a:t>
+            </a:r>
+            <a:endParaRPr kumimoji="1" lang="en-US" altLang="ja-JP" sz="4000" b="1" dirty="0">
+              <a:latin typeface="メイリオ" panose="020B0604030504040204" pitchFamily="50" charset="-128"/>
+              <a:ea typeface="メイリオ" panose="020B0604030504040204" pitchFamily="50" charset="-128"/>
+            </a:endParaRPr>
+          </a:p>
+          <a:p>
+            <a:endParaRPr kumimoji="1" lang="en-US" altLang="ja-JP" sz="4000" b="1" dirty="0">
+              <a:latin typeface="メイリオ" panose="020B0604030504040204" pitchFamily="50" charset="-128"/>
+              <a:ea typeface="メイリオ" panose="020B0604030504040204" pitchFamily="50" charset="-128"/>
+            </a:endParaRPr>
+          </a:p>
+          <a:p>
+            <a:r>
+              <a:rPr lang="ja-JP" altLang="en-US" sz="4000" b="1" dirty="0">
+                <a:latin typeface="メイリオ" panose="020B0604030504040204" pitchFamily="50" charset="-128"/>
+                <a:ea typeface="メイリオ" panose="020B0604030504040204" pitchFamily="50" charset="-128"/>
+              </a:rPr>
+              <a:t>セキュリティの強化</a:t>
+            </a:r>
+            <a:endParaRPr lang="en-US" altLang="ja-JP" sz="4000" b="1" dirty="0">
+              <a:latin typeface="メイリオ" panose="020B0604030504040204" pitchFamily="50" charset="-128"/>
+              <a:ea typeface="メイリオ" panose="020B0604030504040204" pitchFamily="50" charset="-128"/>
+            </a:endParaRPr>
+          </a:p>
+          <a:p>
+            <a:endParaRPr kumimoji="1" lang="en-US" altLang="ja-JP" sz="4000" b="1" dirty="0">
+              <a:latin typeface="メイリオ" panose="020B0604030504040204" pitchFamily="50" charset="-128"/>
+              <a:ea typeface="メイリオ" panose="020B0604030504040204" pitchFamily="50" charset="-128"/>
+            </a:endParaRPr>
+          </a:p>
+          <a:p>
+            <a:r>
+              <a:rPr kumimoji="1" lang="ja-JP" altLang="en-US" sz="4000" b="1" dirty="0">
+                <a:latin typeface="メイリオ" panose="020B0604030504040204" pitchFamily="50" charset="-128"/>
+                <a:ea typeface="メイリオ" panose="020B0604030504040204" pitchFamily="50" charset="-128"/>
+              </a:rPr>
+              <a:t>事業の拡大</a:t>
+            </a:r>
+            <a:endParaRPr kumimoji="1" lang="en-US" altLang="ja-JP" sz="4000" b="1" dirty="0">
+              <a:latin typeface="メイリオ" panose="020B0604030504040204" pitchFamily="50" charset="-128"/>
+              <a:ea typeface="メイリオ" panose="020B0604030504040204" pitchFamily="50" charset="-128"/>
+            </a:endParaRPr>
+          </a:p>
+          <a:p>
+            <a:pPr marL="0" indent="0">
+              <a:buNone/>
+            </a:pPr>
+            <a:r>
+              <a:rPr kumimoji="1" lang="ja-JP" altLang="en-US" dirty="0">
+                <a:latin typeface="メイリオ" panose="020B0604030504040204" pitchFamily="50" charset="-128"/>
+                <a:ea typeface="メイリオ" panose="020B0604030504040204" pitchFamily="50" charset="-128"/>
+              </a:rPr>
+              <a:t>をお手伝いすることができます！</a:t>
+            </a:r>
           </a:p>
         </p:txBody>
       </p:sp>
     </p:spTree>
     <p:extLst>
       <p:ext uri="{BB962C8B-B14F-4D97-AF65-F5344CB8AC3E}">
-        <p14:creationId xmlns:p14="http://schemas.microsoft.com/office/powerpoint/2010/main" val="1548816212"/>
+        <p14:creationId xmlns:p14="http://schemas.microsoft.com/office/powerpoint/2010/main" val="3550784842"/>
       </p:ext>
     </p:extLst>
   </p:cSld>
